--- a/London Analysis for Airbnb.pptx
+++ b/London Analysis for Airbnb.pptx
@@ -2,7 +2,7 @@
 <file path=ppt/presentation.xml><?xml version="1.0" encoding="utf-8"?>
 <p:presentation xmlns:a="http://schemas.openxmlformats.org/drawingml/2006/main" xmlns:r="http://schemas.openxmlformats.org/officeDocument/2006/relationships" xmlns:p="http://schemas.openxmlformats.org/presentationml/2006/main" saveSubsetFonts="1">
   <p:sldMasterIdLst>
-    <p:sldMasterId id="2147483648" r:id="rId1"/>
+    <p:sldMasterId id="2147483660" r:id="rId1"/>
   </p:sldMasterIdLst>
   <p:sldIdLst>
     <p:sldId id="256" r:id="rId2"/>
@@ -18,7 +18,7 @@
     <a:defPPr>
       <a:defRPr lang="en-US"/>
     </a:defPPr>
-    <a:lvl1pPr marL="0" algn="l" defTabSz="914400" rtl="0" eaLnBrk="1" latinLnBrk="0" hangingPunct="1">
+    <a:lvl1pPr marL="0" algn="l" defTabSz="457200" rtl="0" eaLnBrk="1" latinLnBrk="0" hangingPunct="1">
       <a:defRPr sz="1800" kern="1200">
         <a:solidFill>
           <a:schemeClr val="tx1"/>
@@ -28,7 +28,7 @@
         <a:cs typeface="+mn-cs"/>
       </a:defRPr>
     </a:lvl1pPr>
-    <a:lvl2pPr marL="457200" algn="l" defTabSz="914400" rtl="0" eaLnBrk="1" latinLnBrk="0" hangingPunct="1">
+    <a:lvl2pPr marL="457200" algn="l" defTabSz="457200" rtl="0" eaLnBrk="1" latinLnBrk="0" hangingPunct="1">
       <a:defRPr sz="1800" kern="1200">
         <a:solidFill>
           <a:schemeClr val="tx1"/>
@@ -38,7 +38,7 @@
         <a:cs typeface="+mn-cs"/>
       </a:defRPr>
     </a:lvl2pPr>
-    <a:lvl3pPr marL="914400" algn="l" defTabSz="914400" rtl="0" eaLnBrk="1" latinLnBrk="0" hangingPunct="1">
+    <a:lvl3pPr marL="914400" algn="l" defTabSz="457200" rtl="0" eaLnBrk="1" latinLnBrk="0" hangingPunct="1">
       <a:defRPr sz="1800" kern="1200">
         <a:solidFill>
           <a:schemeClr val="tx1"/>
@@ -48,7 +48,7 @@
         <a:cs typeface="+mn-cs"/>
       </a:defRPr>
     </a:lvl3pPr>
-    <a:lvl4pPr marL="1371600" algn="l" defTabSz="914400" rtl="0" eaLnBrk="1" latinLnBrk="0" hangingPunct="1">
+    <a:lvl4pPr marL="1371600" algn="l" defTabSz="457200" rtl="0" eaLnBrk="1" latinLnBrk="0" hangingPunct="1">
       <a:defRPr sz="1800" kern="1200">
         <a:solidFill>
           <a:schemeClr val="tx1"/>
@@ -58,7 +58,7 @@
         <a:cs typeface="+mn-cs"/>
       </a:defRPr>
     </a:lvl4pPr>
-    <a:lvl5pPr marL="1828800" algn="l" defTabSz="914400" rtl="0" eaLnBrk="1" latinLnBrk="0" hangingPunct="1">
+    <a:lvl5pPr marL="1828800" algn="l" defTabSz="457200" rtl="0" eaLnBrk="1" latinLnBrk="0" hangingPunct="1">
       <a:defRPr sz="1800" kern="1200">
         <a:solidFill>
           <a:schemeClr val="tx1"/>
@@ -68,7 +68,7 @@
         <a:cs typeface="+mn-cs"/>
       </a:defRPr>
     </a:lvl5pPr>
-    <a:lvl6pPr marL="2286000" algn="l" defTabSz="914400" rtl="0" eaLnBrk="1" latinLnBrk="0" hangingPunct="1">
+    <a:lvl6pPr marL="2286000" algn="l" defTabSz="457200" rtl="0" eaLnBrk="1" latinLnBrk="0" hangingPunct="1">
       <a:defRPr sz="1800" kern="1200">
         <a:solidFill>
           <a:schemeClr val="tx1"/>
@@ -78,7 +78,7 @@
         <a:cs typeface="+mn-cs"/>
       </a:defRPr>
     </a:lvl6pPr>
-    <a:lvl7pPr marL="2743200" algn="l" defTabSz="914400" rtl="0" eaLnBrk="1" latinLnBrk="0" hangingPunct="1">
+    <a:lvl7pPr marL="2743200" algn="l" defTabSz="457200" rtl="0" eaLnBrk="1" latinLnBrk="0" hangingPunct="1">
       <a:defRPr sz="1800" kern="1200">
         <a:solidFill>
           <a:schemeClr val="tx1"/>
@@ -88,7 +88,7 @@
         <a:cs typeface="+mn-cs"/>
       </a:defRPr>
     </a:lvl7pPr>
-    <a:lvl8pPr marL="3200400" algn="l" defTabSz="914400" rtl="0" eaLnBrk="1" latinLnBrk="0" hangingPunct="1">
+    <a:lvl8pPr marL="3200400" algn="l" defTabSz="457200" rtl="0" eaLnBrk="1" latinLnBrk="0" hangingPunct="1">
       <a:defRPr sz="1800" kern="1200">
         <a:solidFill>
           <a:schemeClr val="tx1"/>
@@ -98,7 +98,7 @@
         <a:cs typeface="+mn-cs"/>
       </a:defRPr>
     </a:lvl8pPr>
-    <a:lvl9pPr marL="3657600" algn="l" defTabSz="914400" rtl="0" eaLnBrk="1" latinLnBrk="0" hangingPunct="1">
+    <a:lvl9pPr marL="3657600" algn="l" defTabSz="457200" rtl="0" eaLnBrk="1" latinLnBrk="0" hangingPunct="1">
       <a:defRPr sz="1800" kern="1200">
         <a:solidFill>
           <a:schemeClr val="tx1"/>
@@ -109,7 +109,164 @@
       </a:defRPr>
     </a:lvl9pPr>
   </p:defaultTextStyle>
+  <p:extLst>
+    <p:ext uri="{EFAFB233-063F-42B5-8137-9DF3F51BA10A}">
+      <p15:sldGuideLst xmlns:p15="http://schemas.microsoft.com/office/powerpoint/2012/main"/>
+    </p:ext>
+  </p:extLst>
 </p:presentation>
+</file>
+
+<file path=ppt/revisionInfo.xml><?xml version="1.0" encoding="utf-8"?>
+<p1510:revInfo xmlns:a="http://schemas.openxmlformats.org/drawingml/2006/main" xmlns:r="http://schemas.openxmlformats.org/officeDocument/2006/relationships" xmlns:p1510="http://schemas.microsoft.com/office/powerpoint/2015/10/main">
+  <p1510:revLst>
+    <p1510:client id="{BECDA6A0-A88E-4FDC-855F-CACDE0FC9A9A}" v="1" dt="2021-07-07T20:35:31.212"/>
+  </p1510:revLst>
+</p1510:revInfo>
+</file>
+
+<file path=ppt/changesInfos/changesInfo1.xml><?xml version="1.0" encoding="utf-8"?>
+<pc:chgInfo xmlns:a="http://schemas.openxmlformats.org/drawingml/2006/main" xmlns:r="http://schemas.openxmlformats.org/officeDocument/2006/relationships" xmlns:ac="http://schemas.microsoft.com/office/drawing/2013/main/command" xmlns:pc="http://schemas.microsoft.com/office/powerpoint/2013/main/command">
+  <pc:docChgLst>
+    <pc:chgData name="Wendell Zhang" userId="b5dece2f7d6fbb5d" providerId="LiveId" clId="{BECDA6A0-A88E-4FDC-855F-CACDE0FC9A9A}"/>
+    <pc:docChg chg="custSel modSld">
+      <pc:chgData name="Wendell Zhang" userId="b5dece2f7d6fbb5d" providerId="LiveId" clId="{BECDA6A0-A88E-4FDC-855F-CACDE0FC9A9A}" dt="2021-07-07T20:36:25.217" v="96" actId="20577"/>
+      <pc:docMkLst>
+        <pc:docMk/>
+      </pc:docMkLst>
+      <pc:sldChg chg="modSp">
+        <pc:chgData name="Wendell Zhang" userId="b5dece2f7d6fbb5d" providerId="LiveId" clId="{BECDA6A0-A88E-4FDC-855F-CACDE0FC9A9A}" dt="2021-07-07T20:35:31.210" v="0"/>
+        <pc:sldMkLst>
+          <pc:docMk/>
+          <pc:sldMk cId="2840912737" sldId="256"/>
+        </pc:sldMkLst>
+        <pc:spChg chg="mod">
+          <ac:chgData name="Wendell Zhang" userId="b5dece2f7d6fbb5d" providerId="LiveId" clId="{BECDA6A0-A88E-4FDC-855F-CACDE0FC9A9A}" dt="2021-07-07T20:35:31.210" v="0"/>
+          <ac:spMkLst>
+            <pc:docMk/>
+            <pc:sldMk cId="2840912737" sldId="256"/>
+            <ac:spMk id="2" creationId="{8AB68EE5-D62F-4270-961D-1856C1D1E0A1}"/>
+          </ac:spMkLst>
+        </pc:spChg>
+        <pc:spChg chg="mod">
+          <ac:chgData name="Wendell Zhang" userId="b5dece2f7d6fbb5d" providerId="LiveId" clId="{BECDA6A0-A88E-4FDC-855F-CACDE0FC9A9A}" dt="2021-07-07T20:35:31.210" v="0"/>
+          <ac:spMkLst>
+            <pc:docMk/>
+            <pc:sldMk cId="2840912737" sldId="256"/>
+            <ac:spMk id="3" creationId="{B17B4CFA-BDE5-4551-BF49-2A5A23960463}"/>
+          </ac:spMkLst>
+        </pc:spChg>
+      </pc:sldChg>
+      <pc:sldChg chg="modSp mod">
+        <pc:chgData name="Wendell Zhang" userId="b5dece2f7d6fbb5d" providerId="LiveId" clId="{BECDA6A0-A88E-4FDC-855F-CACDE0FC9A9A}" dt="2021-07-07T20:36:25.217" v="96" actId="20577"/>
+        <pc:sldMkLst>
+          <pc:docMk/>
+          <pc:sldMk cId="1022170527" sldId="257"/>
+        </pc:sldMkLst>
+        <pc:spChg chg="mod">
+          <ac:chgData name="Wendell Zhang" userId="b5dece2f7d6fbb5d" providerId="LiveId" clId="{BECDA6A0-A88E-4FDC-855F-CACDE0FC9A9A}" dt="2021-07-07T20:35:31.210" v="0"/>
+          <ac:spMkLst>
+            <pc:docMk/>
+            <pc:sldMk cId="1022170527" sldId="257"/>
+            <ac:spMk id="2" creationId="{9479AA82-3C48-40C9-8855-1CA7B692A281}"/>
+          </ac:spMkLst>
+        </pc:spChg>
+        <pc:spChg chg="mod">
+          <ac:chgData name="Wendell Zhang" userId="b5dece2f7d6fbb5d" providerId="LiveId" clId="{BECDA6A0-A88E-4FDC-855F-CACDE0FC9A9A}" dt="2021-07-07T20:36:25.217" v="96" actId="20577"/>
+          <ac:spMkLst>
+            <pc:docMk/>
+            <pc:sldMk cId="1022170527" sldId="257"/>
+            <ac:spMk id="3" creationId="{EF7E3D79-E7AB-4F9A-85C5-5BFBEFDD9767}"/>
+          </ac:spMkLst>
+        </pc:spChg>
+      </pc:sldChg>
+      <pc:sldChg chg="modSp">
+        <pc:chgData name="Wendell Zhang" userId="b5dece2f7d6fbb5d" providerId="LiveId" clId="{BECDA6A0-A88E-4FDC-855F-CACDE0FC9A9A}" dt="2021-07-07T20:35:31.210" v="0"/>
+        <pc:sldMkLst>
+          <pc:docMk/>
+          <pc:sldMk cId="110507792" sldId="258"/>
+        </pc:sldMkLst>
+        <pc:spChg chg="mod">
+          <ac:chgData name="Wendell Zhang" userId="b5dece2f7d6fbb5d" providerId="LiveId" clId="{BECDA6A0-A88E-4FDC-855F-CACDE0FC9A9A}" dt="2021-07-07T20:35:31.210" v="0"/>
+          <ac:spMkLst>
+            <pc:docMk/>
+            <pc:sldMk cId="110507792" sldId="258"/>
+            <ac:spMk id="2" creationId="{74D12D2B-18E7-4C55-A31E-31DB0F773087}"/>
+          </ac:spMkLst>
+        </pc:spChg>
+        <pc:spChg chg="mod">
+          <ac:chgData name="Wendell Zhang" userId="b5dece2f7d6fbb5d" providerId="LiveId" clId="{BECDA6A0-A88E-4FDC-855F-CACDE0FC9A9A}" dt="2021-07-07T20:35:31.210" v="0"/>
+          <ac:spMkLst>
+            <pc:docMk/>
+            <pc:sldMk cId="110507792" sldId="258"/>
+            <ac:spMk id="3" creationId="{4AA6AD91-001B-45E7-9AC3-8379E06116D0}"/>
+          </ac:spMkLst>
+        </pc:spChg>
+      </pc:sldChg>
+      <pc:sldChg chg="modSp mod">
+        <pc:chgData name="Wendell Zhang" userId="b5dece2f7d6fbb5d" providerId="LiveId" clId="{BECDA6A0-A88E-4FDC-855F-CACDE0FC9A9A}" dt="2021-07-07T20:35:31.373" v="1" actId="27636"/>
+        <pc:sldMkLst>
+          <pc:docMk/>
+          <pc:sldMk cId="2874365781" sldId="259"/>
+        </pc:sldMkLst>
+        <pc:spChg chg="mod">
+          <ac:chgData name="Wendell Zhang" userId="b5dece2f7d6fbb5d" providerId="LiveId" clId="{BECDA6A0-A88E-4FDC-855F-CACDE0FC9A9A}" dt="2021-07-07T20:35:31.210" v="0"/>
+          <ac:spMkLst>
+            <pc:docMk/>
+            <pc:sldMk cId="2874365781" sldId="259"/>
+            <ac:spMk id="2" creationId="{42429DA6-F4EA-4BA3-9DA6-39612E5A9107}"/>
+          </ac:spMkLst>
+        </pc:spChg>
+        <pc:spChg chg="mod">
+          <ac:chgData name="Wendell Zhang" userId="b5dece2f7d6fbb5d" providerId="LiveId" clId="{BECDA6A0-A88E-4FDC-855F-CACDE0FC9A9A}" dt="2021-07-07T20:35:31.373" v="1" actId="27636"/>
+          <ac:spMkLst>
+            <pc:docMk/>
+            <pc:sldMk cId="2874365781" sldId="259"/>
+            <ac:spMk id="3" creationId="{97DAA032-7BE3-4515-A196-BCDF0E03F894}"/>
+          </ac:spMkLst>
+        </pc:spChg>
+      </pc:sldChg>
+      <pc:sldChg chg="modSp">
+        <pc:chgData name="Wendell Zhang" userId="b5dece2f7d6fbb5d" providerId="LiveId" clId="{BECDA6A0-A88E-4FDC-855F-CACDE0FC9A9A}" dt="2021-07-07T20:35:31.210" v="0"/>
+        <pc:sldMkLst>
+          <pc:docMk/>
+          <pc:sldMk cId="1157564440" sldId="260"/>
+        </pc:sldMkLst>
+        <pc:spChg chg="mod">
+          <ac:chgData name="Wendell Zhang" userId="b5dece2f7d6fbb5d" providerId="LiveId" clId="{BECDA6A0-A88E-4FDC-855F-CACDE0FC9A9A}" dt="2021-07-07T20:35:31.210" v="0"/>
+          <ac:spMkLst>
+            <pc:docMk/>
+            <pc:sldMk cId="1157564440" sldId="260"/>
+            <ac:spMk id="2" creationId="{0E1D126A-BA8A-4DC9-8918-5CE17B5E194F}"/>
+          </ac:spMkLst>
+        </pc:spChg>
+      </pc:sldChg>
+      <pc:sldChg chg="modSp">
+        <pc:chgData name="Wendell Zhang" userId="b5dece2f7d6fbb5d" providerId="LiveId" clId="{BECDA6A0-A88E-4FDC-855F-CACDE0FC9A9A}" dt="2021-07-07T20:35:31.210" v="0"/>
+        <pc:sldMkLst>
+          <pc:docMk/>
+          <pc:sldMk cId="4056568638" sldId="261"/>
+        </pc:sldMkLst>
+        <pc:spChg chg="mod">
+          <ac:chgData name="Wendell Zhang" userId="b5dece2f7d6fbb5d" providerId="LiveId" clId="{BECDA6A0-A88E-4FDC-855F-CACDE0FC9A9A}" dt="2021-07-07T20:35:31.210" v="0"/>
+          <ac:spMkLst>
+            <pc:docMk/>
+            <pc:sldMk cId="4056568638" sldId="261"/>
+            <ac:spMk id="2" creationId="{31AC8FAB-2615-4B8A-9BDF-9E04323B8172}"/>
+          </ac:spMkLst>
+        </pc:spChg>
+        <pc:spChg chg="mod">
+          <ac:chgData name="Wendell Zhang" userId="b5dece2f7d6fbb5d" providerId="LiveId" clId="{BECDA6A0-A88E-4FDC-855F-CACDE0FC9A9A}" dt="2021-07-07T20:35:31.210" v="0"/>
+          <ac:spMkLst>
+            <pc:docMk/>
+            <pc:sldMk cId="4056568638" sldId="261"/>
+            <ac:spMk id="3" creationId="{3F38E955-8781-4735-BDEC-30B4729ACBA1}"/>
+          </ac:spMkLst>
+        </pc:spChg>
+      </pc:sldChg>
+    </pc:docChg>
+  </pc:docChgLst>
+</pc:chgInfo>
 </file>
 
 <file path=ppt/slideLayouts/slideLayout1.xml><?xml version="1.0" encoding="utf-8"?>
@@ -131,13 +288,7 @@
       </p:grpSpPr>
       <p:sp>
         <p:nvSpPr>
-          <p:cNvPr id="2" name="Title 1">
-            <a:extLst>
-              <a:ext uri="{FF2B5EF4-FFF2-40B4-BE49-F238E27FC236}">
-                <a16:creationId xmlns:a16="http://schemas.microsoft.com/office/drawing/2014/main" id="{B0447325-4480-4F31-B315-716257683ADB}"/>
-              </a:ext>
-            </a:extLst>
-          </p:cNvPr>
+          <p:cNvPr id="2" name="Title 1"/>
           <p:cNvSpPr>
             <a:spLocks noGrp="1"/>
           </p:cNvSpPr>
@@ -147,15 +298,17 @@
         </p:nvSpPr>
         <p:spPr>
           <a:xfrm>
-            <a:off x="1524000" y="1122363"/>
-            <a:ext cx="9144000" cy="2387600"/>
+            <a:off x="2417779" y="802298"/>
+            <a:ext cx="8637073" cy="2541431"/>
           </a:xfrm>
         </p:spPr>
         <p:txBody>
-          <a:bodyPr anchor="b"/>
+          <a:bodyPr bIns="0" anchor="b">
+            <a:normAutofit/>
+          </a:bodyPr>
           <a:lstStyle>
-            <a:lvl1pPr algn="ctr">
-              <a:defRPr sz="6000"/>
+            <a:lvl1pPr algn="l">
+              <a:defRPr sz="6600"/>
             </a:lvl1pPr>
           </a:lstStyle>
           <a:p>
@@ -163,19 +316,13 @@
               <a:rPr lang="en-US"/>
               <a:t>Click to edit Master title style</a:t>
             </a:r>
-            <a:endParaRPr lang="en-CA"/>
-          </a:p>
-        </p:txBody>
-      </p:sp>
-      <p:sp>
-        <p:nvSpPr>
-          <p:cNvPr id="3" name="Subtitle 2">
-            <a:extLst>
-              <a:ext uri="{FF2B5EF4-FFF2-40B4-BE49-F238E27FC236}">
-                <a16:creationId xmlns:a16="http://schemas.microsoft.com/office/drawing/2014/main" id="{DFDCE6CB-D89C-4159-972E-13D435478D0C}"/>
-              </a:ext>
-            </a:extLst>
-          </p:cNvPr>
+            <a:endParaRPr lang="en-US" dirty="0"/>
+          </a:p>
+        </p:txBody>
+      </p:sp>
+      <p:sp>
+        <p:nvSpPr>
+          <p:cNvPr id="3" name="Subtitle 2"/>
           <p:cNvSpPr>
             <a:spLocks noGrp="1"/>
           </p:cNvSpPr>
@@ -185,20 +332,26 @@
         </p:nvSpPr>
         <p:spPr>
           <a:xfrm>
-            <a:off x="1524000" y="3602038"/>
-            <a:ext cx="9144000" cy="1655762"/>
+            <a:off x="2417780" y="3531204"/>
+            <a:ext cx="8637072" cy="977621"/>
           </a:xfrm>
         </p:spPr>
         <p:txBody>
-          <a:bodyPr/>
+          <a:bodyPr tIns="91440" bIns="91440">
+            <a:normAutofit/>
+          </a:bodyPr>
           <a:lstStyle>
-            <a:lvl1pPr marL="0" indent="0" algn="ctr">
-              <a:buNone/>
-              <a:defRPr sz="2400"/>
+            <a:lvl1pPr marL="0" indent="0" algn="l">
+              <a:buNone/>
+              <a:defRPr sz="1800" b="0" cap="all" baseline="0">
+                <a:solidFill>
+                  <a:schemeClr val="tx1"/>
+                </a:solidFill>
+              </a:defRPr>
             </a:lvl1pPr>
             <a:lvl2pPr marL="457200" indent="0" algn="ctr">
               <a:buNone/>
-              <a:defRPr sz="2000"/>
+              <a:defRPr sz="1800"/>
             </a:lvl2pPr>
             <a:lvl3pPr marL="914400" indent="0" algn="ctr">
               <a:buNone/>
@@ -234,19 +387,13 @@
               <a:rPr lang="en-US"/>
               <a:t>Click to edit Master subtitle style</a:t>
             </a:r>
-            <a:endParaRPr lang="en-CA"/>
-          </a:p>
-        </p:txBody>
-      </p:sp>
-      <p:sp>
-        <p:nvSpPr>
-          <p:cNvPr id="4" name="Date Placeholder 3">
-            <a:extLst>
-              <a:ext uri="{FF2B5EF4-FFF2-40B4-BE49-F238E27FC236}">
-                <a16:creationId xmlns:a16="http://schemas.microsoft.com/office/drawing/2014/main" id="{66EB595A-5FE1-425D-97C6-B22FC1E9F31E}"/>
-              </a:ext>
-            </a:extLst>
-          </p:cNvPr>
+            <a:endParaRPr lang="en-US" dirty="0"/>
+          </a:p>
+        </p:txBody>
+      </p:sp>
+      <p:sp>
+        <p:nvSpPr>
+          <p:cNvPr id="4" name="Date Placeholder 3"/>
           <p:cNvSpPr>
             <a:spLocks noGrp="1"/>
           </p:cNvSpPr>
@@ -269,13 +416,7 @@
       </p:sp>
       <p:sp>
         <p:nvSpPr>
-          <p:cNvPr id="5" name="Footer Placeholder 4">
-            <a:extLst>
-              <a:ext uri="{FF2B5EF4-FFF2-40B4-BE49-F238E27FC236}">
-                <a16:creationId xmlns:a16="http://schemas.microsoft.com/office/drawing/2014/main" id="{86640DDF-99F8-479B-9C64-A473C20E6DCA}"/>
-              </a:ext>
-            </a:extLst>
-          </p:cNvPr>
+          <p:cNvPr id="5" name="Footer Placeholder 4"/>
           <p:cNvSpPr>
             <a:spLocks noGrp="1"/>
           </p:cNvSpPr>
@@ -283,7 +424,12 @@
             <p:ph type="ftr" sz="quarter" idx="11"/>
           </p:nvPr>
         </p:nvSpPr>
-        <p:spPr/>
+        <p:spPr>
+          <a:xfrm>
+            <a:off x="2416500" y="329307"/>
+            <a:ext cx="4973915" cy="309201"/>
+          </a:xfrm>
+        </p:spPr>
         <p:txBody>
           <a:bodyPr/>
           <a:lstStyle/>
@@ -294,13 +440,7 @@
       </p:sp>
       <p:sp>
         <p:nvSpPr>
-          <p:cNvPr id="6" name="Slide Number Placeholder 5">
-            <a:extLst>
-              <a:ext uri="{FF2B5EF4-FFF2-40B4-BE49-F238E27FC236}">
-                <a16:creationId xmlns:a16="http://schemas.microsoft.com/office/drawing/2014/main" id="{5949E7F2-590E-4934-BBB0-491346944A04}"/>
-              </a:ext>
-            </a:extLst>
-          </p:cNvPr>
+          <p:cNvPr id="6" name="Slide Number Placeholder 5"/>
           <p:cNvSpPr>
             <a:spLocks noGrp="1"/>
           </p:cNvSpPr>
@@ -308,7 +448,12 @@
             <p:ph type="sldNum" sz="quarter" idx="12"/>
           </p:nvPr>
         </p:nvSpPr>
-        <p:spPr/>
+        <p:spPr>
+          <a:xfrm>
+            <a:off x="1437664" y="798973"/>
+            <a:ext cx="811019" cy="503578"/>
+          </a:xfrm>
+        </p:spPr>
         <p:txBody>
           <a:bodyPr/>
           <a:lstStyle/>
@@ -321,10 +466,41 @@
           </a:p>
         </p:txBody>
       </p:sp>
+      <p:cxnSp>
+        <p:nvCxnSpPr>
+          <p:cNvPr id="15" name="Straight Connector 14"/>
+          <p:cNvCxnSpPr/>
+          <p:nvPr/>
+        </p:nvCxnSpPr>
+        <p:spPr>
+          <a:xfrm>
+            <a:off x="2417780" y="3528542"/>
+            <a:ext cx="8637072" cy="0"/>
+          </a:xfrm>
+          <a:prstGeom prst="line">
+            <a:avLst/>
+          </a:prstGeom>
+          <a:ln w="31750"/>
+        </p:spPr>
+        <p:style>
+          <a:lnRef idx="3">
+            <a:schemeClr val="accent1"/>
+          </a:lnRef>
+          <a:fillRef idx="0">
+            <a:schemeClr val="accent1"/>
+          </a:fillRef>
+          <a:effectRef idx="2">
+            <a:schemeClr val="accent1"/>
+          </a:effectRef>
+          <a:fontRef idx="minor">
+            <a:schemeClr val="tx1"/>
+          </a:fontRef>
+        </p:style>
+      </p:cxnSp>
     </p:spTree>
     <p:extLst>
       <p:ext uri="{BB962C8B-B14F-4D97-AF65-F5344CB8AC3E}">
-        <p14:creationId xmlns:p14="http://schemas.microsoft.com/office/powerpoint/2010/main" val="1127328792"/>
+        <p14:creationId xmlns:p14="http://schemas.microsoft.com/office/powerpoint/2010/main" val="2376381325"/>
       </p:ext>
     </p:extLst>
   </p:cSld>
@@ -353,13 +529,7 @@
       </p:grpSpPr>
       <p:sp>
         <p:nvSpPr>
-          <p:cNvPr id="2" name="Title 1">
-            <a:extLst>
-              <a:ext uri="{FF2B5EF4-FFF2-40B4-BE49-F238E27FC236}">
-                <a16:creationId xmlns:a16="http://schemas.microsoft.com/office/drawing/2014/main" id="{5B6F33E1-1414-42B3-AA2A-83135B21B0CC}"/>
-              </a:ext>
-            </a:extLst>
-          </p:cNvPr>
+          <p:cNvPr id="2" name="Title 1"/>
           <p:cNvSpPr>
             <a:spLocks noGrp="1"/>
           </p:cNvSpPr>
@@ -376,19 +546,13 @@
               <a:rPr lang="en-US"/>
               <a:t>Click to edit Master title style</a:t>
             </a:r>
-            <a:endParaRPr lang="en-CA"/>
-          </a:p>
-        </p:txBody>
-      </p:sp>
-      <p:sp>
-        <p:nvSpPr>
-          <p:cNvPr id="3" name="Vertical Text Placeholder 2">
-            <a:extLst>
-              <a:ext uri="{FF2B5EF4-FFF2-40B4-BE49-F238E27FC236}">
-                <a16:creationId xmlns:a16="http://schemas.microsoft.com/office/drawing/2014/main" id="{FC63C7FF-6145-4402-BDA8-944410AAF791}"/>
-              </a:ext>
-            </a:extLst>
-          </p:cNvPr>
+            <a:endParaRPr lang="en-US" dirty="0"/>
+          </a:p>
+        </p:txBody>
+      </p:sp>
+      <p:sp>
+        <p:nvSpPr>
+          <p:cNvPr id="3" name="Vertical Text Placeholder 2"/>
           <p:cNvSpPr>
             <a:spLocks noGrp="1"/>
           </p:cNvSpPr>
@@ -434,19 +598,13 @@
               <a:rPr lang="en-US"/>
               <a:t>Fifth level</a:t>
             </a:r>
-            <a:endParaRPr lang="en-CA"/>
-          </a:p>
-        </p:txBody>
-      </p:sp>
-      <p:sp>
-        <p:nvSpPr>
-          <p:cNvPr id="4" name="Date Placeholder 3">
-            <a:extLst>
-              <a:ext uri="{FF2B5EF4-FFF2-40B4-BE49-F238E27FC236}">
-                <a16:creationId xmlns:a16="http://schemas.microsoft.com/office/drawing/2014/main" id="{1AC84B87-9111-4CEB-9B1C-EB618680295E}"/>
-              </a:ext>
-            </a:extLst>
-          </p:cNvPr>
+            <a:endParaRPr lang="en-US" dirty="0"/>
+          </a:p>
+        </p:txBody>
+      </p:sp>
+      <p:sp>
+        <p:nvSpPr>
+          <p:cNvPr id="4" name="Date Placeholder 3"/>
           <p:cNvSpPr>
             <a:spLocks noGrp="1"/>
           </p:cNvSpPr>
@@ -469,13 +627,7 @@
       </p:sp>
       <p:sp>
         <p:nvSpPr>
-          <p:cNvPr id="5" name="Footer Placeholder 4">
-            <a:extLst>
-              <a:ext uri="{FF2B5EF4-FFF2-40B4-BE49-F238E27FC236}">
-                <a16:creationId xmlns:a16="http://schemas.microsoft.com/office/drawing/2014/main" id="{CD24EC48-E7B0-433C-996E-3EB04B230B80}"/>
-              </a:ext>
-            </a:extLst>
-          </p:cNvPr>
+          <p:cNvPr id="5" name="Footer Placeholder 4"/>
           <p:cNvSpPr>
             <a:spLocks noGrp="1"/>
           </p:cNvSpPr>
@@ -494,13 +646,7 @@
       </p:sp>
       <p:sp>
         <p:nvSpPr>
-          <p:cNvPr id="6" name="Slide Number Placeholder 5">
-            <a:extLst>
-              <a:ext uri="{FF2B5EF4-FFF2-40B4-BE49-F238E27FC236}">
-                <a16:creationId xmlns:a16="http://schemas.microsoft.com/office/drawing/2014/main" id="{FE871B2D-0E9B-40BF-BB84-F0636A135F65}"/>
-              </a:ext>
-            </a:extLst>
-          </p:cNvPr>
+          <p:cNvPr id="6" name="Slide Number Placeholder 5"/>
           <p:cNvSpPr>
             <a:spLocks noGrp="1"/>
           </p:cNvSpPr>
@@ -521,10 +667,41 @@
           </a:p>
         </p:txBody>
       </p:sp>
+      <p:cxnSp>
+        <p:nvCxnSpPr>
+          <p:cNvPr id="26" name="Straight Connector 25"/>
+          <p:cNvCxnSpPr/>
+          <p:nvPr/>
+        </p:nvCxnSpPr>
+        <p:spPr>
+          <a:xfrm>
+            <a:off x="1453896" y="1847088"/>
+            <a:ext cx="9607522" cy="0"/>
+          </a:xfrm>
+          <a:prstGeom prst="line">
+            <a:avLst/>
+          </a:prstGeom>
+          <a:ln w="31750"/>
+        </p:spPr>
+        <p:style>
+          <a:lnRef idx="3">
+            <a:schemeClr val="accent1"/>
+          </a:lnRef>
+          <a:fillRef idx="0">
+            <a:schemeClr val="accent1"/>
+          </a:fillRef>
+          <a:effectRef idx="2">
+            <a:schemeClr val="accent1"/>
+          </a:effectRef>
+          <a:fontRef idx="minor">
+            <a:schemeClr val="tx1"/>
+          </a:fontRef>
+        </p:style>
+      </p:cxnSp>
     </p:spTree>
     <p:extLst>
       <p:ext uri="{BB962C8B-B14F-4D97-AF65-F5344CB8AC3E}">
-        <p14:creationId xmlns:p14="http://schemas.microsoft.com/office/powerpoint/2010/main" val="1117685105"/>
+        <p14:creationId xmlns:p14="http://schemas.microsoft.com/office/powerpoint/2010/main" val="1920269186"/>
       </p:ext>
     </p:extLst>
   </p:cSld>
@@ -553,13 +730,7 @@
       </p:grpSpPr>
       <p:sp>
         <p:nvSpPr>
-          <p:cNvPr id="2" name="Vertical Title 1">
-            <a:extLst>
-              <a:ext uri="{FF2B5EF4-FFF2-40B4-BE49-F238E27FC236}">
-                <a16:creationId xmlns:a16="http://schemas.microsoft.com/office/drawing/2014/main" id="{E6F22968-8EE6-4D87-934E-D35B66BA099D}"/>
-              </a:ext>
-            </a:extLst>
-          </p:cNvPr>
+          <p:cNvPr id="2" name="Vertical Title 1"/>
           <p:cNvSpPr>
             <a:spLocks noGrp="1"/>
           </p:cNvSpPr>
@@ -569,31 +740,29 @@
         </p:nvSpPr>
         <p:spPr>
           <a:xfrm>
-            <a:off x="8724900" y="365125"/>
-            <a:ext cx="2628900" cy="5811838"/>
+            <a:off x="9439111" y="798973"/>
+            <a:ext cx="1615742" cy="4659889"/>
           </a:xfrm>
         </p:spPr>
         <p:txBody>
           <a:bodyPr vert="eaVert"/>
-          <a:lstStyle/>
+          <a:lstStyle>
+            <a:lvl1pPr algn="l">
+              <a:defRPr/>
+            </a:lvl1pPr>
+          </a:lstStyle>
           <a:p>
             <a:r>
               <a:rPr lang="en-US"/>
               <a:t>Click to edit Master title style</a:t>
             </a:r>
-            <a:endParaRPr lang="en-CA"/>
-          </a:p>
-        </p:txBody>
-      </p:sp>
-      <p:sp>
-        <p:nvSpPr>
-          <p:cNvPr id="3" name="Vertical Text Placeholder 2">
-            <a:extLst>
-              <a:ext uri="{FF2B5EF4-FFF2-40B4-BE49-F238E27FC236}">
-                <a16:creationId xmlns:a16="http://schemas.microsoft.com/office/drawing/2014/main" id="{04DEC6CE-FCFA-4FE7-B403-C7949599D086}"/>
-              </a:ext>
-            </a:extLst>
-          </p:cNvPr>
+            <a:endParaRPr lang="en-US" dirty="0"/>
+          </a:p>
+        </p:txBody>
+      </p:sp>
+      <p:sp>
+        <p:nvSpPr>
+          <p:cNvPr id="3" name="Vertical Text Placeholder 2"/>
           <p:cNvSpPr>
             <a:spLocks noGrp="1"/>
           </p:cNvSpPr>
@@ -603,8 +772,8 @@
         </p:nvSpPr>
         <p:spPr>
           <a:xfrm>
-            <a:off x="838200" y="365125"/>
-            <a:ext cx="7734300" cy="5811838"/>
+            <a:off x="1444672" y="798973"/>
+            <a:ext cx="7828830" cy="4659889"/>
           </a:xfrm>
         </p:spPr>
         <p:txBody>
@@ -644,19 +813,13 @@
               <a:rPr lang="en-US"/>
               <a:t>Fifth level</a:t>
             </a:r>
-            <a:endParaRPr lang="en-CA"/>
-          </a:p>
-        </p:txBody>
-      </p:sp>
-      <p:sp>
-        <p:nvSpPr>
-          <p:cNvPr id="4" name="Date Placeholder 3">
-            <a:extLst>
-              <a:ext uri="{FF2B5EF4-FFF2-40B4-BE49-F238E27FC236}">
-                <a16:creationId xmlns:a16="http://schemas.microsoft.com/office/drawing/2014/main" id="{7D417B31-8B57-4FB5-9E52-AEC0012B30F4}"/>
-              </a:ext>
-            </a:extLst>
-          </p:cNvPr>
+            <a:endParaRPr lang="en-US" dirty="0"/>
+          </a:p>
+        </p:txBody>
+      </p:sp>
+      <p:sp>
+        <p:nvSpPr>
+          <p:cNvPr id="4" name="Date Placeholder 3"/>
           <p:cNvSpPr>
             <a:spLocks noGrp="1"/>
           </p:cNvSpPr>
@@ -679,13 +842,7 @@
       </p:sp>
       <p:sp>
         <p:nvSpPr>
-          <p:cNvPr id="5" name="Footer Placeholder 4">
-            <a:extLst>
-              <a:ext uri="{FF2B5EF4-FFF2-40B4-BE49-F238E27FC236}">
-                <a16:creationId xmlns:a16="http://schemas.microsoft.com/office/drawing/2014/main" id="{B3819609-CF16-4C70-95E9-8FBD61C76528}"/>
-              </a:ext>
-            </a:extLst>
-          </p:cNvPr>
+          <p:cNvPr id="5" name="Footer Placeholder 4"/>
           <p:cNvSpPr>
             <a:spLocks noGrp="1"/>
           </p:cNvSpPr>
@@ -704,13 +861,7 @@
       </p:sp>
       <p:sp>
         <p:nvSpPr>
-          <p:cNvPr id="6" name="Slide Number Placeholder 5">
-            <a:extLst>
-              <a:ext uri="{FF2B5EF4-FFF2-40B4-BE49-F238E27FC236}">
-                <a16:creationId xmlns:a16="http://schemas.microsoft.com/office/drawing/2014/main" id="{3041CBDD-6D16-4003-8AAD-6DE41CBC9A01}"/>
-              </a:ext>
-            </a:extLst>
-          </p:cNvPr>
+          <p:cNvPr id="6" name="Slide Number Placeholder 5"/>
           <p:cNvSpPr>
             <a:spLocks noGrp="1"/>
           </p:cNvSpPr>
@@ -731,10 +882,41 @@
           </a:p>
         </p:txBody>
       </p:sp>
+      <p:cxnSp>
+        <p:nvCxnSpPr>
+          <p:cNvPr id="15" name="Straight Connector 14"/>
+          <p:cNvCxnSpPr/>
+          <p:nvPr/>
+        </p:nvCxnSpPr>
+        <p:spPr>
+          <a:xfrm>
+            <a:off x="9439111" y="798973"/>
+            <a:ext cx="0" cy="4659889"/>
+          </a:xfrm>
+          <a:prstGeom prst="line">
+            <a:avLst/>
+          </a:prstGeom>
+          <a:ln w="31750"/>
+        </p:spPr>
+        <p:style>
+          <a:lnRef idx="3">
+            <a:schemeClr val="accent1"/>
+          </a:lnRef>
+          <a:fillRef idx="0">
+            <a:schemeClr val="accent1"/>
+          </a:fillRef>
+          <a:effectRef idx="2">
+            <a:schemeClr val="accent1"/>
+          </a:effectRef>
+          <a:fontRef idx="minor">
+            <a:schemeClr val="tx1"/>
+          </a:fontRef>
+        </p:style>
+      </p:cxnSp>
     </p:spTree>
     <p:extLst>
       <p:ext uri="{BB962C8B-B14F-4D97-AF65-F5344CB8AC3E}">
-        <p14:creationId xmlns:p14="http://schemas.microsoft.com/office/powerpoint/2010/main" val="4285843192"/>
+        <p14:creationId xmlns:p14="http://schemas.microsoft.com/office/powerpoint/2010/main" val="3801922300"/>
       </p:ext>
     </p:extLst>
   </p:cSld>
@@ -763,13 +945,7 @@
       </p:grpSpPr>
       <p:sp>
         <p:nvSpPr>
-          <p:cNvPr id="2" name="Title 1">
-            <a:extLst>
-              <a:ext uri="{FF2B5EF4-FFF2-40B4-BE49-F238E27FC236}">
-                <a16:creationId xmlns:a16="http://schemas.microsoft.com/office/drawing/2014/main" id="{3BB2B536-8321-4AFF-923B-BCD976A27F2A}"/>
-              </a:ext>
-            </a:extLst>
-          </p:cNvPr>
+          <p:cNvPr id="2" name="Title 1"/>
           <p:cNvSpPr>
             <a:spLocks noGrp="1"/>
           </p:cNvSpPr>
@@ -786,19 +962,13 @@
               <a:rPr lang="en-US"/>
               <a:t>Click to edit Master title style</a:t>
             </a:r>
-            <a:endParaRPr lang="en-CA"/>
-          </a:p>
-        </p:txBody>
-      </p:sp>
-      <p:sp>
-        <p:nvSpPr>
-          <p:cNvPr id="3" name="Content Placeholder 2">
-            <a:extLst>
-              <a:ext uri="{FF2B5EF4-FFF2-40B4-BE49-F238E27FC236}">
-                <a16:creationId xmlns:a16="http://schemas.microsoft.com/office/drawing/2014/main" id="{5EBE294D-E24F-4739-B8B5-61051CC817E5}"/>
-              </a:ext>
-            </a:extLst>
-          </p:cNvPr>
+            <a:endParaRPr lang="en-US" dirty="0"/>
+          </a:p>
+        </p:txBody>
+      </p:sp>
+      <p:sp>
+        <p:nvSpPr>
+          <p:cNvPr id="3" name="Content Placeholder 2"/>
           <p:cNvSpPr>
             <a:spLocks noGrp="1"/>
           </p:cNvSpPr>
@@ -808,7 +978,7 @@
         </p:nvSpPr>
         <p:spPr/>
         <p:txBody>
-          <a:bodyPr/>
+          <a:bodyPr anchor="t"/>
           <a:lstStyle/>
           <a:p>
             <a:pPr lvl="0"/>
@@ -844,19 +1014,13 @@
               <a:rPr lang="en-US"/>
               <a:t>Fifth level</a:t>
             </a:r>
-            <a:endParaRPr lang="en-CA"/>
-          </a:p>
-        </p:txBody>
-      </p:sp>
-      <p:sp>
-        <p:nvSpPr>
-          <p:cNvPr id="4" name="Date Placeholder 3">
-            <a:extLst>
-              <a:ext uri="{FF2B5EF4-FFF2-40B4-BE49-F238E27FC236}">
-                <a16:creationId xmlns:a16="http://schemas.microsoft.com/office/drawing/2014/main" id="{61FEC6C9-CCCF-4121-9179-5AF68E44663C}"/>
-              </a:ext>
-            </a:extLst>
-          </p:cNvPr>
+            <a:endParaRPr lang="en-US" dirty="0"/>
+          </a:p>
+        </p:txBody>
+      </p:sp>
+      <p:sp>
+        <p:nvSpPr>
+          <p:cNvPr id="4" name="Date Placeholder 3"/>
           <p:cNvSpPr>
             <a:spLocks noGrp="1"/>
           </p:cNvSpPr>
@@ -879,13 +1043,7 @@
       </p:sp>
       <p:sp>
         <p:nvSpPr>
-          <p:cNvPr id="5" name="Footer Placeholder 4">
-            <a:extLst>
-              <a:ext uri="{FF2B5EF4-FFF2-40B4-BE49-F238E27FC236}">
-                <a16:creationId xmlns:a16="http://schemas.microsoft.com/office/drawing/2014/main" id="{E1B275DB-6E4E-45B4-9157-71C89E14E79B}"/>
-              </a:ext>
-            </a:extLst>
-          </p:cNvPr>
+          <p:cNvPr id="5" name="Footer Placeholder 4"/>
           <p:cNvSpPr>
             <a:spLocks noGrp="1"/>
           </p:cNvSpPr>
@@ -904,13 +1062,7 @@
       </p:sp>
       <p:sp>
         <p:nvSpPr>
-          <p:cNvPr id="6" name="Slide Number Placeholder 5">
-            <a:extLst>
-              <a:ext uri="{FF2B5EF4-FFF2-40B4-BE49-F238E27FC236}">
-                <a16:creationId xmlns:a16="http://schemas.microsoft.com/office/drawing/2014/main" id="{BF36A435-6810-453C-AFA8-5A62BD3FAE1C}"/>
-              </a:ext>
-            </a:extLst>
-          </p:cNvPr>
+          <p:cNvPr id="6" name="Slide Number Placeholder 5"/>
           <p:cNvSpPr>
             <a:spLocks noGrp="1"/>
           </p:cNvSpPr>
@@ -931,10 +1083,41 @@
           </a:p>
         </p:txBody>
       </p:sp>
+      <p:cxnSp>
+        <p:nvCxnSpPr>
+          <p:cNvPr id="33" name="Straight Connector 32"/>
+          <p:cNvCxnSpPr/>
+          <p:nvPr/>
+        </p:nvCxnSpPr>
+        <p:spPr>
+          <a:xfrm>
+            <a:off x="1453896" y="1847088"/>
+            <a:ext cx="9607522" cy="0"/>
+          </a:xfrm>
+          <a:prstGeom prst="line">
+            <a:avLst/>
+          </a:prstGeom>
+          <a:ln w="31750"/>
+        </p:spPr>
+        <p:style>
+          <a:lnRef idx="3">
+            <a:schemeClr val="accent1"/>
+          </a:lnRef>
+          <a:fillRef idx="0">
+            <a:schemeClr val="accent1"/>
+          </a:fillRef>
+          <a:effectRef idx="2">
+            <a:schemeClr val="accent1"/>
+          </a:effectRef>
+          <a:fontRef idx="minor">
+            <a:schemeClr val="tx1"/>
+          </a:fontRef>
+        </p:style>
+      </p:cxnSp>
     </p:spTree>
     <p:extLst>
       <p:ext uri="{BB962C8B-B14F-4D97-AF65-F5344CB8AC3E}">
-        <p14:creationId xmlns:p14="http://schemas.microsoft.com/office/powerpoint/2010/main" val="1337179373"/>
+        <p14:creationId xmlns:p14="http://schemas.microsoft.com/office/powerpoint/2010/main" val="2411435267"/>
       </p:ext>
     </p:extLst>
   </p:cSld>
@@ -963,13 +1146,7 @@
       </p:grpSpPr>
       <p:sp>
         <p:nvSpPr>
-          <p:cNvPr id="2" name="Title 1">
-            <a:extLst>
-              <a:ext uri="{FF2B5EF4-FFF2-40B4-BE49-F238E27FC236}">
-                <a16:creationId xmlns:a16="http://schemas.microsoft.com/office/drawing/2014/main" id="{57F7153B-CA7D-4884-AC47-5B11610573C8}"/>
-              </a:ext>
-            </a:extLst>
-          </p:cNvPr>
+          <p:cNvPr id="2" name="Title 1"/>
           <p:cNvSpPr>
             <a:spLocks noGrp="1"/>
           </p:cNvSpPr>
@@ -979,15 +1156,17 @@
         </p:nvSpPr>
         <p:spPr>
           <a:xfrm>
-            <a:off x="831850" y="1709738"/>
-            <a:ext cx="10515600" cy="2852737"/>
+            <a:off x="1454239" y="1756130"/>
+            <a:ext cx="8643154" cy="1887950"/>
           </a:xfrm>
         </p:spPr>
         <p:txBody>
-          <a:bodyPr anchor="b"/>
+          <a:bodyPr anchor="b">
+            <a:normAutofit/>
+          </a:bodyPr>
           <a:lstStyle>
-            <a:lvl1pPr>
-              <a:defRPr sz="6000"/>
+            <a:lvl1pPr algn="l">
+              <a:defRPr sz="3600"/>
             </a:lvl1pPr>
           </a:lstStyle>
           <a:p>
@@ -995,19 +1174,13 @@
               <a:rPr lang="en-US"/>
               <a:t>Click to edit Master title style</a:t>
             </a:r>
-            <a:endParaRPr lang="en-CA"/>
-          </a:p>
-        </p:txBody>
-      </p:sp>
-      <p:sp>
-        <p:nvSpPr>
-          <p:cNvPr id="3" name="Text Placeholder 2">
-            <a:extLst>
-              <a:ext uri="{FF2B5EF4-FFF2-40B4-BE49-F238E27FC236}">
-                <a16:creationId xmlns:a16="http://schemas.microsoft.com/office/drawing/2014/main" id="{F30E63CD-4662-4CD1-ABDB-4EDEC93E2FC9}"/>
-              </a:ext>
-            </a:extLst>
-          </p:cNvPr>
+            <a:endParaRPr lang="en-US" dirty="0"/>
+          </a:p>
+        </p:txBody>
+      </p:sp>
+      <p:sp>
+        <p:nvSpPr>
+          <p:cNvPr id="3" name="Text Placeholder 2"/>
           <p:cNvSpPr>
             <a:spLocks noGrp="1"/>
           </p:cNvSpPr>
@@ -1017,26 +1190,26 @@
         </p:nvSpPr>
         <p:spPr>
           <a:xfrm>
-            <a:off x="831850" y="4589463"/>
-            <a:ext cx="10515600" cy="1500187"/>
+            <a:off x="1454239" y="3806195"/>
+            <a:ext cx="8630446" cy="1012929"/>
           </a:xfrm>
         </p:spPr>
         <p:txBody>
-          <a:bodyPr/>
+          <a:bodyPr tIns="91440">
+            <a:normAutofit/>
+          </a:bodyPr>
           <a:lstStyle>
-            <a:lvl1pPr marL="0" indent="0">
-              <a:buNone/>
-              <a:defRPr sz="2400">
+            <a:lvl1pPr marL="0" indent="0" algn="l">
+              <a:buNone/>
+              <a:defRPr sz="1800">
                 <a:solidFill>
-                  <a:schemeClr val="tx1">
-                    <a:tint val="75000"/>
-                  </a:schemeClr>
+                  <a:schemeClr val="tx1"/>
                 </a:solidFill>
               </a:defRPr>
             </a:lvl1pPr>
             <a:lvl2pPr marL="457200" indent="0">
               <a:buNone/>
-              <a:defRPr sz="2000">
+              <a:defRPr sz="1800">
                 <a:solidFill>
                   <a:schemeClr val="tx1">
                     <a:tint val="75000"/>
@@ -1126,13 +1299,7 @@
       </p:sp>
       <p:sp>
         <p:nvSpPr>
-          <p:cNvPr id="4" name="Date Placeholder 3">
-            <a:extLst>
-              <a:ext uri="{FF2B5EF4-FFF2-40B4-BE49-F238E27FC236}">
-                <a16:creationId xmlns:a16="http://schemas.microsoft.com/office/drawing/2014/main" id="{E5F0D10D-7E0A-4CF6-825F-6B1076E0C189}"/>
-              </a:ext>
-            </a:extLst>
-          </p:cNvPr>
+          <p:cNvPr id="4" name="Date Placeholder 3"/>
           <p:cNvSpPr>
             <a:spLocks noGrp="1"/>
           </p:cNvSpPr>
@@ -1155,13 +1322,7 @@
       </p:sp>
       <p:sp>
         <p:nvSpPr>
-          <p:cNvPr id="5" name="Footer Placeholder 4">
-            <a:extLst>
-              <a:ext uri="{FF2B5EF4-FFF2-40B4-BE49-F238E27FC236}">
-                <a16:creationId xmlns:a16="http://schemas.microsoft.com/office/drawing/2014/main" id="{FB79DCA6-3364-47F8-BCC5-AF0D92D44A46}"/>
-              </a:ext>
-            </a:extLst>
-          </p:cNvPr>
+          <p:cNvPr id="5" name="Footer Placeholder 4"/>
           <p:cNvSpPr>
             <a:spLocks noGrp="1"/>
           </p:cNvSpPr>
@@ -1180,13 +1341,7 @@
       </p:sp>
       <p:sp>
         <p:nvSpPr>
-          <p:cNvPr id="6" name="Slide Number Placeholder 5">
-            <a:extLst>
-              <a:ext uri="{FF2B5EF4-FFF2-40B4-BE49-F238E27FC236}">
-                <a16:creationId xmlns:a16="http://schemas.microsoft.com/office/drawing/2014/main" id="{79BEB0E5-351F-45AD-AA16-1595C2C60450}"/>
-              </a:ext>
-            </a:extLst>
-          </p:cNvPr>
+          <p:cNvPr id="6" name="Slide Number Placeholder 5"/>
           <p:cNvSpPr>
             <a:spLocks noGrp="1"/>
           </p:cNvSpPr>
@@ -1207,10 +1362,41 @@
           </a:p>
         </p:txBody>
       </p:sp>
+      <p:cxnSp>
+        <p:nvCxnSpPr>
+          <p:cNvPr id="15" name="Straight Connector 14"/>
+          <p:cNvCxnSpPr/>
+          <p:nvPr/>
+        </p:nvCxnSpPr>
+        <p:spPr>
+          <a:xfrm>
+            <a:off x="1454239" y="3804985"/>
+            <a:ext cx="8630446" cy="0"/>
+          </a:xfrm>
+          <a:prstGeom prst="line">
+            <a:avLst/>
+          </a:prstGeom>
+          <a:ln w="31750"/>
+        </p:spPr>
+        <p:style>
+          <a:lnRef idx="3">
+            <a:schemeClr val="accent1"/>
+          </a:lnRef>
+          <a:fillRef idx="0">
+            <a:schemeClr val="accent1"/>
+          </a:fillRef>
+          <a:effectRef idx="2">
+            <a:schemeClr val="accent1"/>
+          </a:effectRef>
+          <a:fontRef idx="minor">
+            <a:schemeClr val="tx1"/>
+          </a:fontRef>
+        </p:style>
+      </p:cxnSp>
     </p:spTree>
     <p:extLst>
       <p:ext uri="{BB962C8B-B14F-4D97-AF65-F5344CB8AC3E}">
-        <p14:creationId xmlns:p14="http://schemas.microsoft.com/office/powerpoint/2010/main" val="3164847223"/>
+        <p14:creationId xmlns:p14="http://schemas.microsoft.com/office/powerpoint/2010/main" val="543903037"/>
       </p:ext>
     </p:extLst>
   </p:cSld>
@@ -1239,116 +1425,46 @@
       </p:grpSpPr>
       <p:sp>
         <p:nvSpPr>
-          <p:cNvPr id="2" name="Title 1">
-            <a:extLst>
-              <a:ext uri="{FF2B5EF4-FFF2-40B4-BE49-F238E27FC236}">
-                <a16:creationId xmlns:a16="http://schemas.microsoft.com/office/drawing/2014/main" id="{EC4C896D-A440-47FE-8F90-4561528E70E3}"/>
-              </a:ext>
-            </a:extLst>
-          </p:cNvPr>
+          <p:cNvPr id="2" name="Title 1"/>
           <p:cNvSpPr>
             <a:spLocks noGrp="1"/>
           </p:cNvSpPr>
           <p:nvPr>
             <p:ph type="title"/>
-          </p:nvPr>
-        </p:nvSpPr>
-        <p:spPr/>
-        <p:txBody>
-          <a:bodyPr/>
-          <a:lstStyle/>
-          <a:p>
-            <a:r>
-              <a:rPr lang="en-US"/>
-              <a:t>Click to edit Master title style</a:t>
-            </a:r>
-            <a:endParaRPr lang="en-CA"/>
-          </a:p>
-        </p:txBody>
-      </p:sp>
-      <p:sp>
-        <p:nvSpPr>
-          <p:cNvPr id="3" name="Content Placeholder 2">
-            <a:extLst>
-              <a:ext uri="{FF2B5EF4-FFF2-40B4-BE49-F238E27FC236}">
-                <a16:creationId xmlns:a16="http://schemas.microsoft.com/office/drawing/2014/main" id="{4362B5E9-4B9B-4D4B-A932-3AAE27C26D22}"/>
-              </a:ext>
-            </a:extLst>
-          </p:cNvPr>
-          <p:cNvSpPr>
-            <a:spLocks noGrp="1"/>
-          </p:cNvSpPr>
-          <p:nvPr>
-            <p:ph sz="half" idx="1"/>
           </p:nvPr>
         </p:nvSpPr>
         <p:spPr>
           <a:xfrm>
-            <a:off x="838200" y="1825625"/>
-            <a:ext cx="5181600" cy="4351338"/>
+            <a:off x="1449217" y="804889"/>
+            <a:ext cx="9605635" cy="1059305"/>
           </a:xfrm>
         </p:spPr>
         <p:txBody>
           <a:bodyPr/>
           <a:lstStyle/>
           <a:p>
-            <a:pPr lvl="0"/>
-            <a:r>
-              <a:rPr lang="en-US"/>
-              <a:t>Click to edit Master text styles</a:t>
-            </a:r>
-          </a:p>
-          <a:p>
-            <a:pPr lvl="1"/>
-            <a:r>
-              <a:rPr lang="en-US"/>
-              <a:t>Second level</a:t>
-            </a:r>
-          </a:p>
-          <a:p>
-            <a:pPr lvl="2"/>
-            <a:r>
-              <a:rPr lang="en-US"/>
-              <a:t>Third level</a:t>
-            </a:r>
-          </a:p>
-          <a:p>
-            <a:pPr lvl="3"/>
-            <a:r>
-              <a:rPr lang="en-US"/>
-              <a:t>Fourth level</a:t>
-            </a:r>
-          </a:p>
-          <a:p>
-            <a:pPr lvl="4"/>
-            <a:r>
-              <a:rPr lang="en-US"/>
-              <a:t>Fifth level</a:t>
-            </a:r>
-            <a:endParaRPr lang="en-CA"/>
-          </a:p>
-        </p:txBody>
-      </p:sp>
-      <p:sp>
-        <p:nvSpPr>
-          <p:cNvPr id="4" name="Content Placeholder 3">
-            <a:extLst>
-              <a:ext uri="{FF2B5EF4-FFF2-40B4-BE49-F238E27FC236}">
-                <a16:creationId xmlns:a16="http://schemas.microsoft.com/office/drawing/2014/main" id="{C99A0B78-F69A-4FB3-A5D7-B1DA63B844A6}"/>
-              </a:ext>
-            </a:extLst>
-          </p:cNvPr>
-          <p:cNvSpPr>
-            <a:spLocks noGrp="1"/>
-          </p:cNvSpPr>
-          <p:nvPr>
-            <p:ph sz="half" idx="2"/>
+            <a:r>
+              <a:rPr lang="en-US"/>
+              <a:t>Click to edit Master title style</a:t>
+            </a:r>
+            <a:endParaRPr lang="en-US" dirty="0"/>
+          </a:p>
+        </p:txBody>
+      </p:sp>
+      <p:sp>
+        <p:nvSpPr>
+          <p:cNvPr id="3" name="Content Placeholder 2"/>
+          <p:cNvSpPr>
+            <a:spLocks noGrp="1"/>
+          </p:cNvSpPr>
+          <p:nvPr>
+            <p:ph sz="half" idx="1"/>
           </p:nvPr>
         </p:nvSpPr>
         <p:spPr>
           <a:xfrm>
-            <a:off x="6172200" y="1825625"/>
-            <a:ext cx="5181600" cy="4351338"/>
+            <a:off x="1447331" y="2010878"/>
+            <a:ext cx="4645152" cy="3448595"/>
           </a:xfrm>
         </p:spPr>
         <p:txBody>
@@ -1388,19 +1504,70 @@
               <a:rPr lang="en-US"/>
               <a:t>Fifth level</a:t>
             </a:r>
-            <a:endParaRPr lang="en-CA"/>
-          </a:p>
-        </p:txBody>
-      </p:sp>
-      <p:sp>
-        <p:nvSpPr>
-          <p:cNvPr id="5" name="Date Placeholder 4">
-            <a:extLst>
-              <a:ext uri="{FF2B5EF4-FFF2-40B4-BE49-F238E27FC236}">
-                <a16:creationId xmlns:a16="http://schemas.microsoft.com/office/drawing/2014/main" id="{2E734E34-2975-43F7-B1E4-5B05DD8ACB0B}"/>
-              </a:ext>
-            </a:extLst>
-          </p:cNvPr>
+            <a:endParaRPr lang="en-US" dirty="0"/>
+          </a:p>
+        </p:txBody>
+      </p:sp>
+      <p:sp>
+        <p:nvSpPr>
+          <p:cNvPr id="4" name="Content Placeholder 3"/>
+          <p:cNvSpPr>
+            <a:spLocks noGrp="1"/>
+          </p:cNvSpPr>
+          <p:nvPr>
+            <p:ph sz="half" idx="2"/>
+          </p:nvPr>
+        </p:nvSpPr>
+        <p:spPr>
+          <a:xfrm>
+            <a:off x="6413771" y="2017343"/>
+            <a:ext cx="4645152" cy="3441520"/>
+          </a:xfrm>
+        </p:spPr>
+        <p:txBody>
+          <a:bodyPr/>
+          <a:lstStyle/>
+          <a:p>
+            <a:pPr lvl="0"/>
+            <a:r>
+              <a:rPr lang="en-US"/>
+              <a:t>Click to edit Master text styles</a:t>
+            </a:r>
+          </a:p>
+          <a:p>
+            <a:pPr lvl="1"/>
+            <a:r>
+              <a:rPr lang="en-US"/>
+              <a:t>Second level</a:t>
+            </a:r>
+          </a:p>
+          <a:p>
+            <a:pPr lvl="2"/>
+            <a:r>
+              <a:rPr lang="en-US"/>
+              <a:t>Third level</a:t>
+            </a:r>
+          </a:p>
+          <a:p>
+            <a:pPr lvl="3"/>
+            <a:r>
+              <a:rPr lang="en-US"/>
+              <a:t>Fourth level</a:t>
+            </a:r>
+          </a:p>
+          <a:p>
+            <a:pPr lvl="4"/>
+            <a:r>
+              <a:rPr lang="en-US"/>
+              <a:t>Fifth level</a:t>
+            </a:r>
+            <a:endParaRPr lang="en-US" dirty="0"/>
+          </a:p>
+        </p:txBody>
+      </p:sp>
+      <p:sp>
+        <p:nvSpPr>
+          <p:cNvPr id="5" name="Date Placeholder 4"/>
           <p:cNvSpPr>
             <a:spLocks noGrp="1"/>
           </p:cNvSpPr>
@@ -1423,13 +1590,7 @@
       </p:sp>
       <p:sp>
         <p:nvSpPr>
-          <p:cNvPr id="6" name="Footer Placeholder 5">
-            <a:extLst>
-              <a:ext uri="{FF2B5EF4-FFF2-40B4-BE49-F238E27FC236}">
-                <a16:creationId xmlns:a16="http://schemas.microsoft.com/office/drawing/2014/main" id="{B3D9D528-28AF-41D9-A0F2-F15202564157}"/>
-              </a:ext>
-            </a:extLst>
-          </p:cNvPr>
+          <p:cNvPr id="6" name="Footer Placeholder 5"/>
           <p:cNvSpPr>
             <a:spLocks noGrp="1"/>
           </p:cNvSpPr>
@@ -1448,13 +1609,7 @@
       </p:sp>
       <p:sp>
         <p:nvSpPr>
-          <p:cNvPr id="7" name="Slide Number Placeholder 6">
-            <a:extLst>
-              <a:ext uri="{FF2B5EF4-FFF2-40B4-BE49-F238E27FC236}">
-                <a16:creationId xmlns:a16="http://schemas.microsoft.com/office/drawing/2014/main" id="{6F1FAA30-6E08-49A4-8728-9BB80D7F1A4B}"/>
-              </a:ext>
-            </a:extLst>
-          </p:cNvPr>
+          <p:cNvPr id="7" name="Slide Number Placeholder 6"/>
           <p:cNvSpPr>
             <a:spLocks noGrp="1"/>
           </p:cNvSpPr>
@@ -1475,10 +1630,41 @@
           </a:p>
         </p:txBody>
       </p:sp>
+      <p:cxnSp>
+        <p:nvCxnSpPr>
+          <p:cNvPr id="35" name="Straight Connector 34"/>
+          <p:cNvCxnSpPr/>
+          <p:nvPr/>
+        </p:nvCxnSpPr>
+        <p:spPr>
+          <a:xfrm>
+            <a:off x="1453896" y="1847088"/>
+            <a:ext cx="9607522" cy="0"/>
+          </a:xfrm>
+          <a:prstGeom prst="line">
+            <a:avLst/>
+          </a:prstGeom>
+          <a:ln w="31750"/>
+        </p:spPr>
+        <p:style>
+          <a:lnRef idx="3">
+            <a:schemeClr val="accent1"/>
+          </a:lnRef>
+          <a:fillRef idx="0">
+            <a:schemeClr val="accent1"/>
+          </a:fillRef>
+          <a:effectRef idx="2">
+            <a:schemeClr val="accent1"/>
+          </a:effectRef>
+          <a:fontRef idx="minor">
+            <a:schemeClr val="tx1"/>
+          </a:fontRef>
+        </p:style>
+      </p:cxnSp>
     </p:spTree>
     <p:extLst>
       <p:ext uri="{BB962C8B-B14F-4D97-AF65-F5344CB8AC3E}">
-        <p14:creationId xmlns:p14="http://schemas.microsoft.com/office/powerpoint/2010/main" val="4293181512"/>
+        <p14:creationId xmlns:p14="http://schemas.microsoft.com/office/powerpoint/2010/main" val="142601313"/>
       </p:ext>
     </p:extLst>
   </p:cSld>
@@ -1507,13 +1693,7 @@
       </p:grpSpPr>
       <p:sp>
         <p:nvSpPr>
-          <p:cNvPr id="2" name="Title 1">
-            <a:extLst>
-              <a:ext uri="{FF2B5EF4-FFF2-40B4-BE49-F238E27FC236}">
-                <a16:creationId xmlns:a16="http://schemas.microsoft.com/office/drawing/2014/main" id="{08012AA4-2FDE-47D7-BE7F-5334D8D1CCAA}"/>
-              </a:ext>
-            </a:extLst>
-          </p:cNvPr>
+          <p:cNvPr id="2" name="Title 1"/>
           <p:cNvSpPr>
             <a:spLocks noGrp="1"/>
           </p:cNvSpPr>
@@ -1523,8 +1703,8 @@
         </p:nvSpPr>
         <p:spPr>
           <a:xfrm>
-            <a:off x="839788" y="365125"/>
-            <a:ext cx="10515600" cy="1325563"/>
+            <a:off x="1447191" y="804163"/>
+            <a:ext cx="9607661" cy="1056319"/>
           </a:xfrm>
         </p:spPr>
         <p:txBody>
@@ -1535,19 +1715,13 @@
               <a:rPr lang="en-US"/>
               <a:t>Click to edit Master title style</a:t>
             </a:r>
-            <a:endParaRPr lang="en-CA"/>
-          </a:p>
-        </p:txBody>
-      </p:sp>
-      <p:sp>
-        <p:nvSpPr>
-          <p:cNvPr id="3" name="Text Placeholder 2">
-            <a:extLst>
-              <a:ext uri="{FF2B5EF4-FFF2-40B4-BE49-F238E27FC236}">
-                <a16:creationId xmlns:a16="http://schemas.microsoft.com/office/drawing/2014/main" id="{087D2D05-4947-4E46-95C5-D59F3C1CFE08}"/>
-              </a:ext>
-            </a:extLst>
-          </p:cNvPr>
+            <a:endParaRPr lang="en-US" dirty="0"/>
+          </a:p>
+        </p:txBody>
+      </p:sp>
+      <p:sp>
+        <p:nvSpPr>
+          <p:cNvPr id="3" name="Text Placeholder 2"/>
           <p:cNvSpPr>
             <a:spLocks noGrp="1"/>
           </p:cNvSpPr>
@@ -1557,16 +1731,25 @@
         </p:nvSpPr>
         <p:spPr>
           <a:xfrm>
-            <a:off x="839788" y="1681163"/>
-            <a:ext cx="5157787" cy="823912"/>
+            <a:off x="1447191" y="2019549"/>
+            <a:ext cx="4645152" cy="801943"/>
           </a:xfrm>
         </p:spPr>
         <p:txBody>
-          <a:bodyPr anchor="b"/>
+          <a:bodyPr anchor="b">
+            <a:normAutofit/>
+          </a:bodyPr>
           <a:lstStyle>
             <a:lvl1pPr marL="0" indent="0">
-              <a:buNone/>
-              <a:defRPr sz="2400" b="1"/>
+              <a:lnSpc>
+                <a:spcPct val="100000"/>
+              </a:lnSpc>
+              <a:buNone/>
+              <a:defRPr sz="2200" b="0" cap="all" baseline="0">
+                <a:solidFill>
+                  <a:schemeClr val="accent1"/>
+                </a:solidFill>
+              </a:defRPr>
             </a:lvl1pPr>
             <a:lvl2pPr marL="457200" indent="0">
               <a:buNone/>
@@ -1612,13 +1795,7 @@
       </p:sp>
       <p:sp>
         <p:nvSpPr>
-          <p:cNvPr id="4" name="Content Placeholder 3">
-            <a:extLst>
-              <a:ext uri="{FF2B5EF4-FFF2-40B4-BE49-F238E27FC236}">
-                <a16:creationId xmlns:a16="http://schemas.microsoft.com/office/drawing/2014/main" id="{D734FEA6-FD44-49AB-BC88-9355AE60C86E}"/>
-              </a:ext>
-            </a:extLst>
-          </p:cNvPr>
+          <p:cNvPr id="4" name="Content Placeholder 3"/>
           <p:cNvSpPr>
             <a:spLocks noGrp="1"/>
           </p:cNvSpPr>
@@ -1628,8 +1805,8 @@
         </p:nvSpPr>
         <p:spPr>
           <a:xfrm>
-            <a:off x="839788" y="2505075"/>
-            <a:ext cx="5157787" cy="3684588"/>
+            <a:off x="1447191" y="2824269"/>
+            <a:ext cx="4645152" cy="2644457"/>
           </a:xfrm>
         </p:spPr>
         <p:txBody>
@@ -1669,19 +1846,13 @@
               <a:rPr lang="en-US"/>
               <a:t>Fifth level</a:t>
             </a:r>
-            <a:endParaRPr lang="en-CA"/>
-          </a:p>
-        </p:txBody>
-      </p:sp>
-      <p:sp>
-        <p:nvSpPr>
-          <p:cNvPr id="5" name="Text Placeholder 4">
-            <a:extLst>
-              <a:ext uri="{FF2B5EF4-FFF2-40B4-BE49-F238E27FC236}">
-                <a16:creationId xmlns:a16="http://schemas.microsoft.com/office/drawing/2014/main" id="{8073AB90-0723-4C88-9B18-A10F4B2FD1AC}"/>
-              </a:ext>
-            </a:extLst>
-          </p:cNvPr>
+            <a:endParaRPr lang="en-US" dirty="0"/>
+          </a:p>
+        </p:txBody>
+      </p:sp>
+      <p:sp>
+        <p:nvSpPr>
+          <p:cNvPr id="5" name="Text Placeholder 4"/>
           <p:cNvSpPr>
             <a:spLocks noGrp="1"/>
           </p:cNvSpPr>
@@ -1691,16 +1862,25 @@
         </p:nvSpPr>
         <p:spPr>
           <a:xfrm>
-            <a:off x="6172200" y="1681163"/>
-            <a:ext cx="5183188" cy="823912"/>
+            <a:off x="6412362" y="2023003"/>
+            <a:ext cx="4645152" cy="802237"/>
           </a:xfrm>
         </p:spPr>
         <p:txBody>
-          <a:bodyPr anchor="b"/>
+          <a:bodyPr anchor="b">
+            <a:normAutofit/>
+          </a:bodyPr>
           <a:lstStyle>
             <a:lvl1pPr marL="0" indent="0">
-              <a:buNone/>
-              <a:defRPr sz="2400" b="1"/>
+              <a:lnSpc>
+                <a:spcPct val="100000"/>
+              </a:lnSpc>
+              <a:buNone/>
+              <a:defRPr sz="2200" b="0" cap="all" baseline="0">
+                <a:solidFill>
+                  <a:schemeClr val="accent1"/>
+                </a:solidFill>
+              </a:defRPr>
             </a:lvl1pPr>
             <a:lvl2pPr marL="457200" indent="0">
               <a:buNone/>
@@ -1746,13 +1926,7 @@
       </p:sp>
       <p:sp>
         <p:nvSpPr>
-          <p:cNvPr id="6" name="Content Placeholder 5">
-            <a:extLst>
-              <a:ext uri="{FF2B5EF4-FFF2-40B4-BE49-F238E27FC236}">
-                <a16:creationId xmlns:a16="http://schemas.microsoft.com/office/drawing/2014/main" id="{B9CD9294-4F3B-46A5-8719-353A5A2955D4}"/>
-              </a:ext>
-            </a:extLst>
-          </p:cNvPr>
+          <p:cNvPr id="6" name="Content Placeholder 5"/>
           <p:cNvSpPr>
             <a:spLocks noGrp="1"/>
           </p:cNvSpPr>
@@ -1762,8 +1936,8 @@
         </p:nvSpPr>
         <p:spPr>
           <a:xfrm>
-            <a:off x="6172200" y="2505075"/>
-            <a:ext cx="5183188" cy="3684588"/>
+            <a:off x="6412362" y="2821491"/>
+            <a:ext cx="4645152" cy="2637371"/>
           </a:xfrm>
         </p:spPr>
         <p:txBody>
@@ -1803,19 +1977,13 @@
               <a:rPr lang="en-US"/>
               <a:t>Fifth level</a:t>
             </a:r>
-            <a:endParaRPr lang="en-CA"/>
-          </a:p>
-        </p:txBody>
-      </p:sp>
-      <p:sp>
-        <p:nvSpPr>
-          <p:cNvPr id="7" name="Date Placeholder 6">
-            <a:extLst>
-              <a:ext uri="{FF2B5EF4-FFF2-40B4-BE49-F238E27FC236}">
-                <a16:creationId xmlns:a16="http://schemas.microsoft.com/office/drawing/2014/main" id="{29E4B11C-5535-41A4-93BD-14E860BD85CF}"/>
-              </a:ext>
-            </a:extLst>
-          </p:cNvPr>
+            <a:endParaRPr lang="en-US" dirty="0"/>
+          </a:p>
+        </p:txBody>
+      </p:sp>
+      <p:sp>
+        <p:nvSpPr>
+          <p:cNvPr id="7" name="Date Placeholder 6"/>
           <p:cNvSpPr>
             <a:spLocks noGrp="1"/>
           </p:cNvSpPr>
@@ -1838,13 +2006,7 @@
       </p:sp>
       <p:sp>
         <p:nvSpPr>
-          <p:cNvPr id="8" name="Footer Placeholder 7">
-            <a:extLst>
-              <a:ext uri="{FF2B5EF4-FFF2-40B4-BE49-F238E27FC236}">
-                <a16:creationId xmlns:a16="http://schemas.microsoft.com/office/drawing/2014/main" id="{6E86EEC2-5F56-4264-AAC6-B2FB9A8FF704}"/>
-              </a:ext>
-            </a:extLst>
-          </p:cNvPr>
+          <p:cNvPr id="8" name="Footer Placeholder 7"/>
           <p:cNvSpPr>
             <a:spLocks noGrp="1"/>
           </p:cNvSpPr>
@@ -1863,13 +2025,7 @@
       </p:sp>
       <p:sp>
         <p:nvSpPr>
-          <p:cNvPr id="9" name="Slide Number Placeholder 8">
-            <a:extLst>
-              <a:ext uri="{FF2B5EF4-FFF2-40B4-BE49-F238E27FC236}">
-                <a16:creationId xmlns:a16="http://schemas.microsoft.com/office/drawing/2014/main" id="{69A60E74-0475-4F67-87EB-5A77CE87FF4D}"/>
-              </a:ext>
-            </a:extLst>
-          </p:cNvPr>
+          <p:cNvPr id="9" name="Slide Number Placeholder 8"/>
           <p:cNvSpPr>
             <a:spLocks noGrp="1"/>
           </p:cNvSpPr>
@@ -1890,10 +2046,41 @@
           </a:p>
         </p:txBody>
       </p:sp>
+      <p:cxnSp>
+        <p:nvCxnSpPr>
+          <p:cNvPr id="29" name="Straight Connector 28"/>
+          <p:cNvCxnSpPr/>
+          <p:nvPr/>
+        </p:nvCxnSpPr>
+        <p:spPr>
+          <a:xfrm>
+            <a:off x="1453896" y="1847088"/>
+            <a:ext cx="9607522" cy="0"/>
+          </a:xfrm>
+          <a:prstGeom prst="line">
+            <a:avLst/>
+          </a:prstGeom>
+          <a:ln w="31750"/>
+        </p:spPr>
+        <p:style>
+          <a:lnRef idx="3">
+            <a:schemeClr val="accent1"/>
+          </a:lnRef>
+          <a:fillRef idx="0">
+            <a:schemeClr val="accent1"/>
+          </a:fillRef>
+          <a:effectRef idx="2">
+            <a:schemeClr val="accent1"/>
+          </a:effectRef>
+          <a:fontRef idx="minor">
+            <a:schemeClr val="tx1"/>
+          </a:fontRef>
+        </p:style>
+      </p:cxnSp>
     </p:spTree>
     <p:extLst>
       <p:ext uri="{BB962C8B-B14F-4D97-AF65-F5344CB8AC3E}">
-        <p14:creationId xmlns:p14="http://schemas.microsoft.com/office/powerpoint/2010/main" val="1068910395"/>
+        <p14:creationId xmlns:p14="http://schemas.microsoft.com/office/powerpoint/2010/main" val="1601917646"/>
       </p:ext>
     </p:extLst>
   </p:cSld>
@@ -1922,13 +2109,7 @@
       </p:grpSpPr>
       <p:sp>
         <p:nvSpPr>
-          <p:cNvPr id="2" name="Title 1">
-            <a:extLst>
-              <a:ext uri="{FF2B5EF4-FFF2-40B4-BE49-F238E27FC236}">
-                <a16:creationId xmlns:a16="http://schemas.microsoft.com/office/drawing/2014/main" id="{8AB168BE-ECB1-4D08-828B-A0BDE41C99C4}"/>
-              </a:ext>
-            </a:extLst>
-          </p:cNvPr>
+          <p:cNvPr id="2" name="Title 1"/>
           <p:cNvSpPr>
             <a:spLocks noGrp="1"/>
           </p:cNvSpPr>
@@ -1945,19 +2126,13 @@
               <a:rPr lang="en-US"/>
               <a:t>Click to edit Master title style</a:t>
             </a:r>
-            <a:endParaRPr lang="en-CA"/>
-          </a:p>
-        </p:txBody>
-      </p:sp>
-      <p:sp>
-        <p:nvSpPr>
-          <p:cNvPr id="3" name="Date Placeholder 2">
-            <a:extLst>
-              <a:ext uri="{FF2B5EF4-FFF2-40B4-BE49-F238E27FC236}">
-                <a16:creationId xmlns:a16="http://schemas.microsoft.com/office/drawing/2014/main" id="{0B6116EE-341F-4CEE-A26F-F556AF9B431C}"/>
-              </a:ext>
-            </a:extLst>
-          </p:cNvPr>
+            <a:endParaRPr lang="en-US" dirty="0"/>
+          </a:p>
+        </p:txBody>
+      </p:sp>
+      <p:sp>
+        <p:nvSpPr>
+          <p:cNvPr id="3" name="Date Placeholder 2"/>
           <p:cNvSpPr>
             <a:spLocks noGrp="1"/>
           </p:cNvSpPr>
@@ -1980,13 +2155,7 @@
       </p:sp>
       <p:sp>
         <p:nvSpPr>
-          <p:cNvPr id="4" name="Footer Placeholder 3">
-            <a:extLst>
-              <a:ext uri="{FF2B5EF4-FFF2-40B4-BE49-F238E27FC236}">
-                <a16:creationId xmlns:a16="http://schemas.microsoft.com/office/drawing/2014/main" id="{E8E12E41-FC90-41F2-8C3B-DD5C318220E6}"/>
-              </a:ext>
-            </a:extLst>
-          </p:cNvPr>
+          <p:cNvPr id="4" name="Footer Placeholder 3"/>
           <p:cNvSpPr>
             <a:spLocks noGrp="1"/>
           </p:cNvSpPr>
@@ -2005,13 +2174,7 @@
       </p:sp>
       <p:sp>
         <p:nvSpPr>
-          <p:cNvPr id="5" name="Slide Number Placeholder 4">
-            <a:extLst>
-              <a:ext uri="{FF2B5EF4-FFF2-40B4-BE49-F238E27FC236}">
-                <a16:creationId xmlns:a16="http://schemas.microsoft.com/office/drawing/2014/main" id="{4F26E913-8CFA-4E94-ABF5-382F1B5ECFC0}"/>
-              </a:ext>
-            </a:extLst>
-          </p:cNvPr>
+          <p:cNvPr id="5" name="Slide Number Placeholder 4"/>
           <p:cNvSpPr>
             <a:spLocks noGrp="1"/>
           </p:cNvSpPr>
@@ -2032,10 +2195,41 @@
           </a:p>
         </p:txBody>
       </p:sp>
+      <p:cxnSp>
+        <p:nvCxnSpPr>
+          <p:cNvPr id="25" name="Straight Connector 24"/>
+          <p:cNvCxnSpPr/>
+          <p:nvPr/>
+        </p:nvCxnSpPr>
+        <p:spPr>
+          <a:xfrm>
+            <a:off x="1453896" y="1847088"/>
+            <a:ext cx="9607522" cy="0"/>
+          </a:xfrm>
+          <a:prstGeom prst="line">
+            <a:avLst/>
+          </a:prstGeom>
+          <a:ln w="31750"/>
+        </p:spPr>
+        <p:style>
+          <a:lnRef idx="3">
+            <a:schemeClr val="accent1"/>
+          </a:lnRef>
+          <a:fillRef idx="0">
+            <a:schemeClr val="accent1"/>
+          </a:fillRef>
+          <a:effectRef idx="2">
+            <a:schemeClr val="accent1"/>
+          </a:effectRef>
+          <a:fontRef idx="minor">
+            <a:schemeClr val="tx1"/>
+          </a:fontRef>
+        </p:style>
+      </p:cxnSp>
     </p:spTree>
     <p:extLst>
       <p:ext uri="{BB962C8B-B14F-4D97-AF65-F5344CB8AC3E}">
-        <p14:creationId xmlns:p14="http://schemas.microsoft.com/office/powerpoint/2010/main" val="2918991774"/>
+        <p14:creationId xmlns:p14="http://schemas.microsoft.com/office/powerpoint/2010/main" val="1337162641"/>
       </p:ext>
     </p:extLst>
   </p:cSld>
@@ -2064,13 +2258,7 @@
       </p:grpSpPr>
       <p:sp>
         <p:nvSpPr>
-          <p:cNvPr id="2" name="Date Placeholder 1">
-            <a:extLst>
-              <a:ext uri="{FF2B5EF4-FFF2-40B4-BE49-F238E27FC236}">
-                <a16:creationId xmlns:a16="http://schemas.microsoft.com/office/drawing/2014/main" id="{8F9E83E6-BD6A-421D-B97D-349EDFBFC108}"/>
-              </a:ext>
-            </a:extLst>
-          </p:cNvPr>
+          <p:cNvPr id="2" name="Date Placeholder 1"/>
           <p:cNvSpPr>
             <a:spLocks noGrp="1"/>
           </p:cNvSpPr>
@@ -2093,13 +2281,7 @@
       </p:sp>
       <p:sp>
         <p:nvSpPr>
-          <p:cNvPr id="3" name="Footer Placeholder 2">
-            <a:extLst>
-              <a:ext uri="{FF2B5EF4-FFF2-40B4-BE49-F238E27FC236}">
-                <a16:creationId xmlns:a16="http://schemas.microsoft.com/office/drawing/2014/main" id="{CC484D3B-5FA4-4507-A8AB-6D10A8C809CA}"/>
-              </a:ext>
-            </a:extLst>
-          </p:cNvPr>
+          <p:cNvPr id="3" name="Footer Placeholder 2"/>
           <p:cNvSpPr>
             <a:spLocks noGrp="1"/>
           </p:cNvSpPr>
@@ -2118,13 +2300,7 @@
       </p:sp>
       <p:sp>
         <p:nvSpPr>
-          <p:cNvPr id="4" name="Slide Number Placeholder 3">
-            <a:extLst>
-              <a:ext uri="{FF2B5EF4-FFF2-40B4-BE49-F238E27FC236}">
-                <a16:creationId xmlns:a16="http://schemas.microsoft.com/office/drawing/2014/main" id="{DB29B7D6-EE17-4BCE-8C72-0BEFF45ACC4C}"/>
-              </a:ext>
-            </a:extLst>
-          </p:cNvPr>
+          <p:cNvPr id="4" name="Slide Number Placeholder 3"/>
           <p:cNvSpPr>
             <a:spLocks noGrp="1"/>
           </p:cNvSpPr>
@@ -2148,7 +2324,7 @@
     </p:spTree>
     <p:extLst>
       <p:ext uri="{BB962C8B-B14F-4D97-AF65-F5344CB8AC3E}">
-        <p14:creationId xmlns:p14="http://schemas.microsoft.com/office/powerpoint/2010/main" val="2856043812"/>
+        <p14:creationId xmlns:p14="http://schemas.microsoft.com/office/powerpoint/2010/main" val="2128722475"/>
       </p:ext>
     </p:extLst>
   </p:cSld>
@@ -2177,13 +2353,7 @@
       </p:grpSpPr>
       <p:sp>
         <p:nvSpPr>
-          <p:cNvPr id="2" name="Title 1">
-            <a:extLst>
-              <a:ext uri="{FF2B5EF4-FFF2-40B4-BE49-F238E27FC236}">
-                <a16:creationId xmlns:a16="http://schemas.microsoft.com/office/drawing/2014/main" id="{80BA2CB7-8169-4D29-A03F-5BFC1542C8D2}"/>
-              </a:ext>
-            </a:extLst>
-          </p:cNvPr>
+          <p:cNvPr id="2" name="Title 1"/>
           <p:cNvSpPr>
             <a:spLocks noGrp="1"/>
           </p:cNvSpPr>
@@ -2193,15 +2363,17 @@
         </p:nvSpPr>
         <p:spPr>
           <a:xfrm>
-            <a:off x="839788" y="457200"/>
-            <a:ext cx="3932237" cy="1600200"/>
+            <a:off x="1444671" y="798973"/>
+            <a:ext cx="3273099" cy="2247117"/>
           </a:xfrm>
         </p:spPr>
         <p:txBody>
-          <a:bodyPr anchor="b"/>
+          <a:bodyPr anchor="b">
+            <a:normAutofit/>
+          </a:bodyPr>
           <a:lstStyle>
-            <a:lvl1pPr>
-              <a:defRPr sz="3200"/>
+            <a:lvl1pPr algn="l">
+              <a:defRPr sz="2400"/>
             </a:lvl1pPr>
           </a:lstStyle>
           <a:p>
@@ -2209,19 +2381,13 @@
               <a:rPr lang="en-US"/>
               <a:t>Click to edit Master title style</a:t>
             </a:r>
-            <a:endParaRPr lang="en-CA"/>
-          </a:p>
-        </p:txBody>
-      </p:sp>
-      <p:sp>
-        <p:nvSpPr>
-          <p:cNvPr id="3" name="Content Placeholder 2">
-            <a:extLst>
-              <a:ext uri="{FF2B5EF4-FFF2-40B4-BE49-F238E27FC236}">
-                <a16:creationId xmlns:a16="http://schemas.microsoft.com/office/drawing/2014/main" id="{00C776E2-00FA-4A68-B510-E787A3A59209}"/>
-              </a:ext>
-            </a:extLst>
-          </p:cNvPr>
+            <a:endParaRPr lang="en-US" dirty="0"/>
+          </a:p>
+        </p:txBody>
+      </p:sp>
+      <p:sp>
+        <p:nvSpPr>
+          <p:cNvPr id="3" name="Content Placeholder 2"/>
           <p:cNvSpPr>
             <a:spLocks noGrp="1"/>
           </p:cNvSpPr>
@@ -2231,41 +2397,13 @@
         </p:nvSpPr>
         <p:spPr>
           <a:xfrm>
-            <a:off x="5183188" y="987425"/>
-            <a:ext cx="6172200" cy="4873625"/>
+            <a:off x="5043714" y="798974"/>
+            <a:ext cx="6012470" cy="4658826"/>
           </a:xfrm>
         </p:spPr>
         <p:txBody>
-          <a:bodyPr/>
-          <a:lstStyle>
-            <a:lvl1pPr>
-              <a:defRPr sz="3200"/>
-            </a:lvl1pPr>
-            <a:lvl2pPr>
-              <a:defRPr sz="2800"/>
-            </a:lvl2pPr>
-            <a:lvl3pPr>
-              <a:defRPr sz="2400"/>
-            </a:lvl3pPr>
-            <a:lvl4pPr>
-              <a:defRPr sz="2000"/>
-            </a:lvl4pPr>
-            <a:lvl5pPr>
-              <a:defRPr sz="2000"/>
-            </a:lvl5pPr>
-            <a:lvl6pPr>
-              <a:defRPr sz="2000"/>
-            </a:lvl6pPr>
-            <a:lvl7pPr>
-              <a:defRPr sz="2000"/>
-            </a:lvl7pPr>
-            <a:lvl8pPr>
-              <a:defRPr sz="2000"/>
-            </a:lvl8pPr>
-            <a:lvl9pPr>
-              <a:defRPr sz="2000"/>
-            </a:lvl9pPr>
-          </a:lstStyle>
+          <a:bodyPr anchor="ctr"/>
+          <a:lstStyle/>
           <a:p>
             <a:pPr lvl="0"/>
             <a:r>
@@ -2300,19 +2438,13 @@
               <a:rPr lang="en-US"/>
               <a:t>Fifth level</a:t>
             </a:r>
-            <a:endParaRPr lang="en-CA"/>
-          </a:p>
-        </p:txBody>
-      </p:sp>
-      <p:sp>
-        <p:nvSpPr>
-          <p:cNvPr id="4" name="Text Placeholder 3">
-            <a:extLst>
-              <a:ext uri="{FF2B5EF4-FFF2-40B4-BE49-F238E27FC236}">
-                <a16:creationId xmlns:a16="http://schemas.microsoft.com/office/drawing/2014/main" id="{6492D008-D44C-49A8-89A5-BA4F10136612}"/>
-              </a:ext>
-            </a:extLst>
-          </p:cNvPr>
+            <a:endParaRPr lang="en-US" dirty="0"/>
+          </a:p>
+        </p:txBody>
+      </p:sp>
+      <p:sp>
+        <p:nvSpPr>
+          <p:cNvPr id="4" name="Text Placeholder 3"/>
           <p:cNvSpPr>
             <a:spLocks noGrp="1"/>
           </p:cNvSpPr>
@@ -2322,14 +2454,14 @@
         </p:nvSpPr>
         <p:spPr>
           <a:xfrm>
-            <a:off x="839788" y="2057400"/>
-            <a:ext cx="3932237" cy="3811588"/>
+            <a:off x="1444671" y="3205491"/>
+            <a:ext cx="3275013" cy="2248181"/>
           </a:xfrm>
         </p:spPr>
         <p:txBody>
           <a:bodyPr/>
           <a:lstStyle>
-            <a:lvl1pPr marL="0" indent="0">
+            <a:lvl1pPr marL="0" indent="0" algn="l">
               <a:buNone/>
               <a:defRPr sz="1600"/>
             </a:lvl1pPr>
@@ -2377,13 +2509,7 @@
       </p:sp>
       <p:sp>
         <p:nvSpPr>
-          <p:cNvPr id="5" name="Date Placeholder 4">
-            <a:extLst>
-              <a:ext uri="{FF2B5EF4-FFF2-40B4-BE49-F238E27FC236}">
-                <a16:creationId xmlns:a16="http://schemas.microsoft.com/office/drawing/2014/main" id="{307B9157-6080-4D11-913E-55A077D23FD3}"/>
-              </a:ext>
-            </a:extLst>
-          </p:cNvPr>
+          <p:cNvPr id="5" name="Date Placeholder 4"/>
           <p:cNvSpPr>
             <a:spLocks noGrp="1"/>
           </p:cNvSpPr>
@@ -2406,13 +2532,7 @@
       </p:sp>
       <p:sp>
         <p:nvSpPr>
-          <p:cNvPr id="6" name="Footer Placeholder 5">
-            <a:extLst>
-              <a:ext uri="{FF2B5EF4-FFF2-40B4-BE49-F238E27FC236}">
-                <a16:creationId xmlns:a16="http://schemas.microsoft.com/office/drawing/2014/main" id="{8B293AA2-A0F0-4F70-9793-82550D185813}"/>
-              </a:ext>
-            </a:extLst>
-          </p:cNvPr>
+          <p:cNvPr id="6" name="Footer Placeholder 5"/>
           <p:cNvSpPr>
             <a:spLocks noGrp="1"/>
           </p:cNvSpPr>
@@ -2431,13 +2551,7 @@
       </p:sp>
       <p:sp>
         <p:nvSpPr>
-          <p:cNvPr id="7" name="Slide Number Placeholder 6">
-            <a:extLst>
-              <a:ext uri="{FF2B5EF4-FFF2-40B4-BE49-F238E27FC236}">
-                <a16:creationId xmlns:a16="http://schemas.microsoft.com/office/drawing/2014/main" id="{A245CB8C-2502-46E6-B4B3-CD50E48021E6}"/>
-              </a:ext>
-            </a:extLst>
-          </p:cNvPr>
+          <p:cNvPr id="7" name="Slide Number Placeholder 6"/>
           <p:cNvSpPr>
             <a:spLocks noGrp="1"/>
           </p:cNvSpPr>
@@ -2458,10 +2572,41 @@
           </a:p>
         </p:txBody>
       </p:sp>
+      <p:cxnSp>
+        <p:nvCxnSpPr>
+          <p:cNvPr id="17" name="Straight Connector 16"/>
+          <p:cNvCxnSpPr/>
+          <p:nvPr/>
+        </p:nvCxnSpPr>
+        <p:spPr>
+          <a:xfrm>
+            <a:off x="1448280" y="3205491"/>
+            <a:ext cx="3269490" cy="0"/>
+          </a:xfrm>
+          <a:prstGeom prst="line">
+            <a:avLst/>
+          </a:prstGeom>
+          <a:ln w="31750"/>
+        </p:spPr>
+        <p:style>
+          <a:lnRef idx="3">
+            <a:schemeClr val="accent1"/>
+          </a:lnRef>
+          <a:fillRef idx="0">
+            <a:schemeClr val="accent1"/>
+          </a:fillRef>
+          <a:effectRef idx="2">
+            <a:schemeClr val="accent1"/>
+          </a:effectRef>
+          <a:fontRef idx="minor">
+            <a:schemeClr val="tx1"/>
+          </a:fontRef>
+        </p:style>
+      </p:cxnSp>
     </p:spTree>
     <p:extLst>
       <p:ext uri="{BB962C8B-B14F-4D97-AF65-F5344CB8AC3E}">
-        <p14:creationId xmlns:p14="http://schemas.microsoft.com/office/powerpoint/2010/main" val="2288665089"/>
+        <p14:creationId xmlns:p14="http://schemas.microsoft.com/office/powerpoint/2010/main" val="3171821455"/>
       </p:ext>
     </p:extLst>
   </p:cSld>
@@ -2488,15 +2633,143 @@
           <a:chExt cx="0" cy="0"/>
         </a:xfrm>
       </p:grpSpPr>
-      <p:sp>
-        <p:nvSpPr>
-          <p:cNvPr id="2" name="Title 1">
-            <a:extLst>
-              <a:ext uri="{FF2B5EF4-FFF2-40B4-BE49-F238E27FC236}">
-                <a16:creationId xmlns:a16="http://schemas.microsoft.com/office/drawing/2014/main" id="{036ED7FD-3EC4-43B3-B253-469898E09F19}"/>
-              </a:ext>
-            </a:extLst>
-          </p:cNvPr>
+      <p:grpSp>
+        <p:nvGrpSpPr>
+          <p:cNvPr id="8" name="Group 7"/>
+          <p:cNvGrpSpPr/>
+          <p:nvPr/>
+        </p:nvGrpSpPr>
+        <p:grpSpPr>
+          <a:xfrm>
+            <a:off x="7477387" y="482170"/>
+            <a:ext cx="4074533" cy="5149101"/>
+            <a:chOff x="7477387" y="482170"/>
+            <a:chExt cx="4074533" cy="5149101"/>
+          </a:xfrm>
+        </p:grpSpPr>
+        <p:sp>
+          <p:nvSpPr>
+            <p:cNvPr id="18" name="Rectangle 17"/>
+            <p:cNvSpPr/>
+            <p:nvPr/>
+          </p:nvSpPr>
+          <p:spPr bwMode="black">
+            <a:xfrm>
+              <a:off x="7477387" y="482170"/>
+              <a:ext cx="4074533" cy="5149101"/>
+            </a:xfrm>
+            <a:prstGeom prst="rect">
+              <a:avLst/>
+            </a:prstGeom>
+            <a:gradFill>
+              <a:gsLst>
+                <a:gs pos="0">
+                  <a:srgbClr val="000001"/>
+                </a:gs>
+                <a:gs pos="100000">
+                  <a:srgbClr val="191919"/>
+                </a:gs>
+              </a:gsLst>
+            </a:gradFill>
+            <a:ln w="76200" cmpd="sng">
+              <a:noFill/>
+              <a:miter lim="800000"/>
+            </a:ln>
+            <a:effectLst>
+              <a:outerShdw blurRad="127000" dist="228600" dir="4740000" sx="98000" sy="98000" algn="tl" rotWithShape="0">
+                <a:srgbClr val="000000">
+                  <a:alpha val="34000"/>
+                </a:srgbClr>
+              </a:outerShdw>
+            </a:effectLst>
+            <a:scene3d>
+              <a:camera prst="orthographicFront"/>
+              <a:lightRig rig="threePt" dir="t"/>
+            </a:scene3d>
+            <a:sp3d>
+              <a:bevelT w="152400" h="50800" prst="softRound"/>
+            </a:sp3d>
+          </p:spPr>
+          <p:style>
+            <a:lnRef idx="1">
+              <a:schemeClr val="accent1"/>
+            </a:lnRef>
+            <a:fillRef idx="3">
+              <a:schemeClr val="accent1"/>
+            </a:fillRef>
+            <a:effectRef idx="2">
+              <a:schemeClr val="accent1"/>
+            </a:effectRef>
+            <a:fontRef idx="minor">
+              <a:schemeClr val="lt1"/>
+            </a:fontRef>
+          </p:style>
+        </p:sp>
+        <p:sp>
+          <p:nvSpPr>
+            <p:cNvPr id="19" name="Rectangle 18"/>
+            <p:cNvSpPr/>
+            <p:nvPr/>
+          </p:nvSpPr>
+          <p:spPr bwMode="blackWhite">
+            <a:xfrm>
+              <a:off x="7790446" y="812506"/>
+              <a:ext cx="3450289" cy="4466452"/>
+            </a:xfrm>
+            <a:prstGeom prst="rect">
+              <a:avLst/>
+            </a:prstGeom>
+            <a:gradFill>
+              <a:gsLst>
+                <a:gs pos="0">
+                  <a:srgbClr val="DADADA"/>
+                </a:gs>
+                <a:gs pos="100000">
+                  <a:srgbClr val="FFFFFE"/>
+                </a:gs>
+              </a:gsLst>
+              <a:lin ang="16200000" scaled="0"/>
+            </a:gradFill>
+            <a:ln w="50800" cmpd="sng">
+              <a:solidFill>
+                <a:srgbClr val="191919"/>
+              </a:solidFill>
+              <a:miter lim="800000"/>
+            </a:ln>
+            <a:effectLst>
+              <a:innerShdw blurRad="63500" dist="88900" dir="14100000">
+                <a:srgbClr val="000000">
+                  <a:alpha val="30000"/>
+                </a:srgbClr>
+              </a:innerShdw>
+            </a:effectLst>
+            <a:scene3d>
+              <a:camera prst="orthographicFront"/>
+              <a:lightRig rig="threePt" dir="t"/>
+            </a:scene3d>
+            <a:sp3d>
+              <a:bevelT prst="relaxedInset"/>
+            </a:sp3d>
+          </p:spPr>
+          <p:style>
+            <a:lnRef idx="1">
+              <a:schemeClr val="accent1"/>
+            </a:lnRef>
+            <a:fillRef idx="3">
+              <a:schemeClr val="accent1"/>
+            </a:fillRef>
+            <a:effectRef idx="2">
+              <a:schemeClr val="accent1"/>
+            </a:effectRef>
+            <a:fontRef idx="minor">
+              <a:schemeClr val="lt1"/>
+            </a:fontRef>
+          </p:style>
+        </p:sp>
+      </p:grpSp>
+      <p:sp>
+        <p:nvSpPr>
+          <p:cNvPr id="2" name="Title 1"/>
           <p:cNvSpPr>
             <a:spLocks noGrp="1"/>
           </p:cNvSpPr>
@@ -2506,12 +2779,14 @@
         </p:nvSpPr>
         <p:spPr>
           <a:xfrm>
-            <a:off x="839788" y="457200"/>
-            <a:ext cx="3932237" cy="1600200"/>
+            <a:off x="1451206" y="1129513"/>
+            <a:ext cx="5532328" cy="1830584"/>
           </a:xfrm>
         </p:spPr>
         <p:txBody>
-          <a:bodyPr anchor="b"/>
+          <a:bodyPr anchor="b">
+            <a:normAutofit/>
+          </a:bodyPr>
           <a:lstStyle>
             <a:lvl1pPr>
               <a:defRPr sz="3200"/>
@@ -2522,21 +2797,15 @@
               <a:rPr lang="en-US"/>
               <a:t>Click to edit Master title style</a:t>
             </a:r>
-            <a:endParaRPr lang="en-CA"/>
-          </a:p>
-        </p:txBody>
-      </p:sp>
-      <p:sp>
-        <p:nvSpPr>
-          <p:cNvPr id="3" name="Picture Placeholder 2">
-            <a:extLst>
-              <a:ext uri="{FF2B5EF4-FFF2-40B4-BE49-F238E27FC236}">
-                <a16:creationId xmlns:a16="http://schemas.microsoft.com/office/drawing/2014/main" id="{17D6346D-6B03-45A5-A9DF-DC13616D1B0D}"/>
-              </a:ext>
-            </a:extLst>
-          </p:cNvPr>
-          <p:cNvSpPr>
-            <a:spLocks noGrp="1"/>
+            <a:endParaRPr lang="en-US" dirty="0"/>
+          </a:p>
+        </p:txBody>
+      </p:sp>
+      <p:sp>
+        <p:nvSpPr>
+          <p:cNvPr id="3" name="Picture Placeholder 2"/>
+          <p:cNvSpPr>
+            <a:spLocks noGrp="1" noChangeAspect="1"/>
           </p:cNvSpPr>
           <p:nvPr>
             <p:ph type="pic" idx="1"/>
@@ -2544,14 +2813,24 @@
         </p:nvSpPr>
         <p:spPr>
           <a:xfrm>
-            <a:off x="5183188" y="987425"/>
-            <a:ext cx="6172200" cy="4873625"/>
+            <a:off x="8124389" y="1122542"/>
+            <a:ext cx="2791171" cy="3866327"/>
           </a:xfrm>
+          <a:solidFill>
+            <a:schemeClr val="bg1">
+              <a:lumMod val="85000"/>
+            </a:schemeClr>
+          </a:solidFill>
+          <a:ln w="9525" cap="sq">
+            <a:noFill/>
+            <a:miter lim="800000"/>
+          </a:ln>
+          <a:effectLst/>
         </p:spPr>
         <p:txBody>
-          <a:bodyPr/>
+          <a:bodyPr anchor="t"/>
           <a:lstStyle>
-            <a:lvl1pPr marL="0" indent="0">
+            <a:lvl1pPr marL="0" indent="0" algn="ctr">
               <a:buNone/>
               <a:defRPr sz="3200"/>
             </a:lvl1pPr>
@@ -2589,19 +2868,17 @@
             </a:lvl9pPr>
           </a:lstStyle>
           <a:p>
-            <a:endParaRPr lang="en-CA"/>
-          </a:p>
-        </p:txBody>
-      </p:sp>
-      <p:sp>
-        <p:nvSpPr>
-          <p:cNvPr id="4" name="Text Placeholder 3">
-            <a:extLst>
-              <a:ext uri="{FF2B5EF4-FFF2-40B4-BE49-F238E27FC236}">
-                <a16:creationId xmlns:a16="http://schemas.microsoft.com/office/drawing/2014/main" id="{A9EF3110-9F3D-47C3-9D7C-37230C1DAE07}"/>
-              </a:ext>
-            </a:extLst>
-          </p:cNvPr>
+            <a:r>
+              <a:rPr lang="en-US"/>
+              <a:t>Click icon to add picture</a:t>
+            </a:r>
+            <a:endParaRPr lang="en-US" dirty="0"/>
+          </a:p>
+        </p:txBody>
+      </p:sp>
+      <p:sp>
+        <p:nvSpPr>
+          <p:cNvPr id="4" name="Text Placeholder 3"/>
           <p:cNvSpPr>
             <a:spLocks noGrp="1"/>
           </p:cNvSpPr>
@@ -2611,16 +2888,18 @@
         </p:nvSpPr>
         <p:spPr>
           <a:xfrm>
-            <a:off x="839788" y="2057400"/>
-            <a:ext cx="3932237" cy="3811588"/>
+            <a:off x="1450329" y="3145992"/>
+            <a:ext cx="5524404" cy="2003742"/>
           </a:xfrm>
         </p:spPr>
         <p:txBody>
-          <a:bodyPr/>
+          <a:bodyPr>
+            <a:normAutofit/>
+          </a:bodyPr>
           <a:lstStyle>
-            <a:lvl1pPr marL="0" indent="0">
-              <a:buNone/>
-              <a:defRPr sz="1600"/>
+            <a:lvl1pPr marL="0" indent="0" algn="l">
+              <a:buNone/>
+              <a:defRPr sz="1800"/>
             </a:lvl1pPr>
             <a:lvl2pPr marL="457200" indent="0">
               <a:buNone/>
@@ -2666,13 +2945,7 @@
       </p:sp>
       <p:sp>
         <p:nvSpPr>
-          <p:cNvPr id="5" name="Date Placeholder 4">
-            <a:extLst>
-              <a:ext uri="{FF2B5EF4-FFF2-40B4-BE49-F238E27FC236}">
-                <a16:creationId xmlns:a16="http://schemas.microsoft.com/office/drawing/2014/main" id="{15F04BEB-87A5-49D0-8052-B526EFAD3F8E}"/>
-              </a:ext>
-            </a:extLst>
-          </p:cNvPr>
+          <p:cNvPr id="5" name="Date Placeholder 4"/>
           <p:cNvSpPr>
             <a:spLocks noGrp="1"/>
           </p:cNvSpPr>
@@ -2680,10 +2953,19 @@
             <p:ph type="dt" sz="half" idx="10"/>
           </p:nvPr>
         </p:nvSpPr>
-        <p:spPr/>
-        <p:txBody>
-          <a:bodyPr/>
-          <a:lstStyle/>
+        <p:spPr>
+          <a:xfrm>
+            <a:off x="1447382" y="5469856"/>
+            <a:ext cx="5527351" cy="320123"/>
+          </a:xfrm>
+        </p:spPr>
+        <p:txBody>
+          <a:bodyPr/>
+          <a:lstStyle>
+            <a:lvl1pPr algn="l">
+              <a:defRPr/>
+            </a:lvl1pPr>
+          </a:lstStyle>
           <a:p>
             <a:fld id="{9A778796-4038-4EDE-9509-5CDBBA5DDB75}" type="datetimeFigureOut">
               <a:rPr lang="en-CA" smtClean="0"/>
@@ -2695,13 +2977,7 @@
       </p:sp>
       <p:sp>
         <p:nvSpPr>
-          <p:cNvPr id="6" name="Footer Placeholder 5">
-            <a:extLst>
-              <a:ext uri="{FF2B5EF4-FFF2-40B4-BE49-F238E27FC236}">
-                <a16:creationId xmlns:a16="http://schemas.microsoft.com/office/drawing/2014/main" id="{370DA0DC-C2B7-4702-A824-CFCAFD0A377E}"/>
-              </a:ext>
-            </a:extLst>
-          </p:cNvPr>
+          <p:cNvPr id="6" name="Footer Placeholder 5"/>
           <p:cNvSpPr>
             <a:spLocks noGrp="1"/>
           </p:cNvSpPr>
@@ -2709,7 +2985,12 @@
             <p:ph type="ftr" sz="quarter" idx="11"/>
           </p:nvPr>
         </p:nvSpPr>
-        <p:spPr/>
+        <p:spPr>
+          <a:xfrm>
+            <a:off x="1447382" y="318640"/>
+            <a:ext cx="5541004" cy="320931"/>
+          </a:xfrm>
+        </p:spPr>
         <p:txBody>
           <a:bodyPr/>
           <a:lstStyle/>
@@ -2720,13 +3001,7 @@
       </p:sp>
       <p:sp>
         <p:nvSpPr>
-          <p:cNvPr id="7" name="Slide Number Placeholder 6">
-            <a:extLst>
-              <a:ext uri="{FF2B5EF4-FFF2-40B4-BE49-F238E27FC236}">
-                <a16:creationId xmlns:a16="http://schemas.microsoft.com/office/drawing/2014/main" id="{173A9287-A41A-43DB-89CF-C1B38C4866D2}"/>
-              </a:ext>
-            </a:extLst>
-          </p:cNvPr>
+          <p:cNvPr id="7" name="Slide Number Placeholder 6"/>
           <p:cNvSpPr>
             <a:spLocks noGrp="1"/>
           </p:cNvSpPr>
@@ -2747,10 +3022,41 @@
           </a:p>
         </p:txBody>
       </p:sp>
+      <p:cxnSp>
+        <p:nvCxnSpPr>
+          <p:cNvPr id="31" name="Straight Connector 30"/>
+          <p:cNvCxnSpPr/>
+          <p:nvPr/>
+        </p:nvCxnSpPr>
+        <p:spPr>
+          <a:xfrm>
+            <a:off x="1447382" y="3143605"/>
+            <a:ext cx="5527351" cy="0"/>
+          </a:xfrm>
+          <a:prstGeom prst="line">
+            <a:avLst/>
+          </a:prstGeom>
+          <a:ln w="31750"/>
+        </p:spPr>
+        <p:style>
+          <a:lnRef idx="3">
+            <a:schemeClr val="accent1"/>
+          </a:lnRef>
+          <a:fillRef idx="0">
+            <a:schemeClr val="accent1"/>
+          </a:fillRef>
+          <a:effectRef idx="2">
+            <a:schemeClr val="accent1"/>
+          </a:effectRef>
+          <a:fontRef idx="minor">
+            <a:schemeClr val="tx1"/>
+          </a:fontRef>
+        </p:style>
+      </p:cxnSp>
     </p:spTree>
     <p:extLst>
       <p:ext uri="{BB962C8B-B14F-4D97-AF65-F5344CB8AC3E}">
-        <p14:creationId xmlns:p14="http://schemas.microsoft.com/office/powerpoint/2010/main" val="2974336947"/>
+        <p14:creationId xmlns:p14="http://schemas.microsoft.com/office/powerpoint/2010/main" val="4146905321"/>
       </p:ext>
     </p:extLst>
   </p:cSld>
@@ -2764,8 +3070,8 @@
 <p:sldMaster xmlns:a="http://schemas.openxmlformats.org/drawingml/2006/main" xmlns:r="http://schemas.openxmlformats.org/officeDocument/2006/relationships" xmlns:p="http://schemas.openxmlformats.org/presentationml/2006/main">
   <p:cSld>
     <p:bg>
-      <p:bgRef idx="1001">
-        <a:schemeClr val="bg1"/>
+      <p:bgRef idx="1003">
+        <a:schemeClr val="bg2"/>
       </p:bgRef>
     </p:bg>
     <p:spTree>
@@ -2784,141 +3090,201 @@
       </p:grpSpPr>
       <p:sp>
         <p:nvSpPr>
-          <p:cNvPr id="2" name="Title Placeholder 1">
+          <p:cNvPr id="8" name="Rectangle 7"/>
+          <p:cNvSpPr/>
+          <p:nvPr/>
+        </p:nvSpPr>
+        <p:spPr>
+          <a:xfrm>
+            <a:off x="0" y="2019476"/>
+            <a:ext cx="12192000" cy="4105941"/>
+          </a:xfrm>
+          <a:prstGeom prst="rect">
+            <a:avLst/>
+          </a:prstGeom>
+          <a:gradFill flip="none" rotWithShape="1">
+            <a:gsLst>
+              <a:gs pos="0">
+                <a:schemeClr val="bg2">
+                  <a:alpha val="0"/>
+                </a:schemeClr>
+              </a:gs>
+              <a:gs pos="100000">
+                <a:schemeClr val="bg2"/>
+              </a:gs>
+            </a:gsLst>
+            <a:lin ang="5400000" scaled="0"/>
+            <a:tileRect/>
+          </a:gradFill>
+          <a:ln>
+            <a:noFill/>
+          </a:ln>
+        </p:spPr>
+        <p:style>
+          <a:lnRef idx="2">
+            <a:schemeClr val="accent1">
+              <a:shade val="50000"/>
+            </a:schemeClr>
+          </a:lnRef>
+          <a:fillRef idx="1">
+            <a:schemeClr val="accent1"/>
+          </a:fillRef>
+          <a:effectRef idx="0">
+            <a:schemeClr val="accent1"/>
+          </a:effectRef>
+          <a:fontRef idx="minor">
+            <a:schemeClr val="lt1"/>
+          </a:fontRef>
+        </p:style>
+      </p:sp>
+      <p:pic>
+        <p:nvPicPr>
+          <p:cNvPr id="7" name="Picture 6"/>
+          <p:cNvPicPr>
+            <a:picLocks noChangeAspect="1"/>
+          </p:cNvPicPr>
+          <p:nvPr/>
+        </p:nvPicPr>
+        <p:blipFill rotWithShape="1">
+          <a:blip r:embed="rId13">
             <a:extLst>
-              <a:ext uri="{FF2B5EF4-FFF2-40B4-BE49-F238E27FC236}">
-                <a16:creationId xmlns:a16="http://schemas.microsoft.com/office/drawing/2014/main" id="{6A920F85-B1A1-45F2-9532-2D2BE652FF51}"/>
+              <a:ext uri="{28A0092B-C50C-407E-A947-70E740481C1C}">
+                <a14:useLocalDpi xmlns:a14="http://schemas.microsoft.com/office/drawing/2010/main" val="0"/>
               </a:ext>
             </a:extLst>
-          </p:cNvPr>
-          <p:cNvSpPr>
-            <a:spLocks noGrp="1"/>
-          </p:cNvSpPr>
-          <p:nvPr>
-            <p:ph type="title"/>
-          </p:nvPr>
-        </p:nvSpPr>
-        <p:spPr>
+          </a:blip>
+          <a:srcRect t="1538" b="-1538"/>
+          <a:stretch/>
+        </p:blipFill>
+        <p:spPr bwMode="black">
           <a:xfrm>
-            <a:off x="838200" y="365125"/>
-            <a:ext cx="10515600" cy="1325563"/>
+            <a:off x="0" y="6126480"/>
+            <a:ext cx="12192000" cy="742950"/>
           </a:xfrm>
           <a:prstGeom prst="rect">
             <a:avLst/>
           </a:prstGeom>
         </p:spPr>
-        <p:txBody>
-          <a:bodyPr vert="horz" lIns="91440" tIns="45720" rIns="91440" bIns="45720" rtlCol="0" anchor="ctr">
-            <a:normAutofit/>
-          </a:bodyPr>
-          <a:lstStyle/>
-          <a:p>
-            <a:r>
-              <a:rPr lang="en-US"/>
-              <a:t>Click to edit Master title style</a:t>
-            </a:r>
-            <a:endParaRPr lang="en-CA"/>
-          </a:p>
-        </p:txBody>
-      </p:sp>
-      <p:sp>
-        <p:nvSpPr>
-          <p:cNvPr id="3" name="Text Placeholder 2">
-            <a:extLst>
-              <a:ext uri="{FF2B5EF4-FFF2-40B4-BE49-F238E27FC236}">
-                <a16:creationId xmlns:a16="http://schemas.microsoft.com/office/drawing/2014/main" id="{7D5B128E-C628-42DA-9540-374D6834618E}"/>
-              </a:ext>
-            </a:extLst>
-          </p:cNvPr>
-          <p:cNvSpPr>
-            <a:spLocks noGrp="1"/>
-          </p:cNvSpPr>
-          <p:nvPr>
-            <p:ph type="body" idx="1"/>
+      </p:pic>
+      <p:sp>
+        <p:nvSpPr>
+          <p:cNvPr id="2" name="Title Placeholder 1"/>
+          <p:cNvSpPr>
+            <a:spLocks noGrp="1"/>
+          </p:cNvSpPr>
+          <p:nvPr>
+            <p:ph type="title"/>
           </p:nvPr>
         </p:nvSpPr>
         <p:spPr>
           <a:xfrm>
-            <a:off x="838200" y="1825625"/>
-            <a:ext cx="10515600" cy="4351338"/>
+            <a:off x="1451579" y="804519"/>
+            <a:ext cx="9603275" cy="1049235"/>
           </a:xfrm>
           <a:prstGeom prst="rect">
             <a:avLst/>
           </a:prstGeom>
         </p:spPr>
         <p:txBody>
-          <a:bodyPr vert="horz" lIns="91440" tIns="45720" rIns="91440" bIns="45720" rtlCol="0">
+          <a:bodyPr vert="horz" lIns="91440" tIns="45720" rIns="91440" bIns="45720" rtlCol="0" anchor="t">
             <a:normAutofit/>
           </a:bodyPr>
           <a:lstStyle/>
           <a:p>
-            <a:pPr lvl="0"/>
-            <a:r>
-              <a:rPr lang="en-US"/>
-              <a:t>Click to edit Master text styles</a:t>
-            </a:r>
-          </a:p>
-          <a:p>
-            <a:pPr lvl="1"/>
-            <a:r>
-              <a:rPr lang="en-US"/>
-              <a:t>Second level</a:t>
-            </a:r>
-          </a:p>
-          <a:p>
-            <a:pPr lvl="2"/>
-            <a:r>
-              <a:rPr lang="en-US"/>
-              <a:t>Third level</a:t>
-            </a:r>
-          </a:p>
-          <a:p>
-            <a:pPr lvl="3"/>
-            <a:r>
-              <a:rPr lang="en-US"/>
-              <a:t>Fourth level</a:t>
-            </a:r>
-          </a:p>
-          <a:p>
-            <a:pPr lvl="4"/>
-            <a:r>
-              <a:rPr lang="en-US"/>
-              <a:t>Fifth level</a:t>
-            </a:r>
-            <a:endParaRPr lang="en-CA"/>
-          </a:p>
-        </p:txBody>
-      </p:sp>
-      <p:sp>
-        <p:nvSpPr>
-          <p:cNvPr id="4" name="Date Placeholder 3">
-            <a:extLst>
-              <a:ext uri="{FF2B5EF4-FFF2-40B4-BE49-F238E27FC236}">
-                <a16:creationId xmlns:a16="http://schemas.microsoft.com/office/drawing/2014/main" id="{3A18CA26-7D42-4425-92A2-75ADEDB2B049}"/>
-              </a:ext>
-            </a:extLst>
-          </p:cNvPr>
-          <p:cNvSpPr>
-            <a:spLocks noGrp="1"/>
-          </p:cNvSpPr>
-          <p:nvPr>
-            <p:ph type="dt" sz="half" idx="2"/>
+            <a:r>
+              <a:rPr lang="en-US"/>
+              <a:t>Click to edit Master title style</a:t>
+            </a:r>
+            <a:endParaRPr lang="en-US" dirty="0"/>
+          </a:p>
+        </p:txBody>
+      </p:sp>
+      <p:sp>
+        <p:nvSpPr>
+          <p:cNvPr id="3" name="Text Placeholder 2"/>
+          <p:cNvSpPr>
+            <a:spLocks noGrp="1"/>
+          </p:cNvSpPr>
+          <p:nvPr>
+            <p:ph type="body" idx="1"/>
           </p:nvPr>
         </p:nvSpPr>
         <p:spPr>
           <a:xfrm>
-            <a:off x="838200" y="6356350"/>
-            <a:ext cx="2743200" cy="365125"/>
+            <a:off x="1451579" y="2015732"/>
+            <a:ext cx="9603275" cy="3450613"/>
           </a:xfrm>
           <a:prstGeom prst="rect">
             <a:avLst/>
           </a:prstGeom>
         </p:spPr>
         <p:txBody>
+          <a:bodyPr vert="horz" lIns="91440" tIns="45720" rIns="91440" bIns="45720" rtlCol="0">
+            <a:normAutofit/>
+          </a:bodyPr>
+          <a:lstStyle/>
+          <a:p>
+            <a:pPr lvl="0"/>
+            <a:r>
+              <a:rPr lang="en-US"/>
+              <a:t>Click to edit Master text styles</a:t>
+            </a:r>
+          </a:p>
+          <a:p>
+            <a:pPr lvl="1"/>
+            <a:r>
+              <a:rPr lang="en-US"/>
+              <a:t>Second level</a:t>
+            </a:r>
+          </a:p>
+          <a:p>
+            <a:pPr lvl="2"/>
+            <a:r>
+              <a:rPr lang="en-US"/>
+              <a:t>Third level</a:t>
+            </a:r>
+          </a:p>
+          <a:p>
+            <a:pPr lvl="3"/>
+            <a:r>
+              <a:rPr lang="en-US"/>
+              <a:t>Fourth level</a:t>
+            </a:r>
+          </a:p>
+          <a:p>
+            <a:pPr lvl="4"/>
+            <a:r>
+              <a:rPr lang="en-US"/>
+              <a:t>Fifth level</a:t>
+            </a:r>
+            <a:endParaRPr lang="en-US" dirty="0"/>
+          </a:p>
+        </p:txBody>
+      </p:sp>
+      <p:sp>
+        <p:nvSpPr>
+          <p:cNvPr id="4" name="Date Placeholder 3"/>
+          <p:cNvSpPr>
+            <a:spLocks noGrp="1"/>
+          </p:cNvSpPr>
+          <p:nvPr>
+            <p:ph type="dt" sz="half" idx="2"/>
+          </p:nvPr>
+        </p:nvSpPr>
+        <p:spPr>
+          <a:xfrm>
+            <a:off x="7554138" y="330370"/>
+            <a:ext cx="3500715" cy="309201"/>
+          </a:xfrm>
+          <a:prstGeom prst="rect">
+            <a:avLst/>
+          </a:prstGeom>
+        </p:spPr>
+        <p:txBody>
           <a:bodyPr vert="horz" lIns="91440" tIns="45720" rIns="91440" bIns="45720" rtlCol="0" anchor="ctr"/>
           <a:lstStyle>
-            <a:lvl1pPr algn="l">
-              <a:defRPr sz="1200">
+            <a:lvl1pPr algn="r">
+              <a:defRPr sz="1000">
                 <a:solidFill>
                   <a:schemeClr val="tx1">
                     <a:tint val="75000"/>
@@ -2938,13 +3304,7 @@
       </p:sp>
       <p:sp>
         <p:nvSpPr>
-          <p:cNvPr id="5" name="Footer Placeholder 4">
-            <a:extLst>
-              <a:ext uri="{FF2B5EF4-FFF2-40B4-BE49-F238E27FC236}">
-                <a16:creationId xmlns:a16="http://schemas.microsoft.com/office/drawing/2014/main" id="{011DAD08-0EDE-45EA-9F7E-CD479159481C}"/>
-              </a:ext>
-            </a:extLst>
-          </p:cNvPr>
+          <p:cNvPr id="5" name="Footer Placeholder 4"/>
           <p:cNvSpPr>
             <a:spLocks noGrp="1"/>
           </p:cNvSpPr>
@@ -2954,8 +3314,8 @@
         </p:nvSpPr>
         <p:spPr>
           <a:xfrm>
-            <a:off x="4038600" y="6356350"/>
-            <a:ext cx="4114800" cy="365125"/>
+            <a:off x="1451579" y="329307"/>
+            <a:ext cx="5938836" cy="309201"/>
           </a:xfrm>
           <a:prstGeom prst="rect">
             <a:avLst/>
@@ -2964,8 +3324,8 @@
         <p:txBody>
           <a:bodyPr vert="horz" lIns="91440" tIns="45720" rIns="91440" bIns="45720" rtlCol="0" anchor="ctr"/>
           <a:lstStyle>
-            <a:lvl1pPr algn="ctr">
-              <a:defRPr sz="1200">
+            <a:lvl1pPr algn="l">
+              <a:defRPr sz="1000">
                 <a:solidFill>
                   <a:schemeClr val="tx1">
                     <a:tint val="75000"/>
@@ -2981,13 +3341,7 @@
       </p:sp>
       <p:sp>
         <p:nvSpPr>
-          <p:cNvPr id="6" name="Slide Number Placeholder 5">
-            <a:extLst>
-              <a:ext uri="{FF2B5EF4-FFF2-40B4-BE49-F238E27FC236}">
-                <a16:creationId xmlns:a16="http://schemas.microsoft.com/office/drawing/2014/main" id="{0F7CC2B6-9B6A-4FA0-A67A-90D2D529D73D}"/>
-              </a:ext>
-            </a:extLst>
-          </p:cNvPr>
+          <p:cNvPr id="6" name="Slide Number Placeholder 5"/>
           <p:cNvSpPr>
             <a:spLocks noGrp="1"/>
           </p:cNvSpPr>
@@ -2997,22 +3351,20 @@
         </p:nvSpPr>
         <p:spPr>
           <a:xfrm>
-            <a:off x="8610600" y="6356350"/>
-            <a:ext cx="2743200" cy="365125"/>
+            <a:off x="480060" y="798973"/>
+            <a:ext cx="811019" cy="503578"/>
           </a:xfrm>
           <a:prstGeom prst="rect">
             <a:avLst/>
           </a:prstGeom>
         </p:spPr>
         <p:txBody>
-          <a:bodyPr vert="horz" lIns="91440" tIns="45720" rIns="91440" bIns="45720" rtlCol="0" anchor="ctr"/>
+          <a:bodyPr vert="horz" lIns="91440" tIns="45720" rIns="91440" bIns="45720" rtlCol="0" anchor="t"/>
           <a:lstStyle>
             <a:lvl1pPr algn="r">
-              <a:defRPr sz="1200">
+              <a:defRPr sz="2800">
                 <a:solidFill>
-                  <a:schemeClr val="tx1">
-                    <a:tint val="75000"/>
-                  </a:schemeClr>
+                  <a:schemeClr val="accent1"/>
                 </a:solidFill>
               </a:defRPr>
             </a:lvl1pPr>
@@ -3026,26 +3378,63 @@
           </a:p>
         </p:txBody>
       </p:sp>
+      <p:cxnSp>
+        <p:nvCxnSpPr>
+          <p:cNvPr id="10" name="Straight Connector 9"/>
+          <p:cNvCxnSpPr/>
+          <p:nvPr/>
+        </p:nvCxnSpPr>
+        <p:spPr>
+          <a:xfrm>
+            <a:off x="0" y="6128413"/>
+            <a:ext cx="12192000" cy="0"/>
+          </a:xfrm>
+          <a:prstGeom prst="line">
+            <a:avLst/>
+          </a:prstGeom>
+          <a:ln w="12700">
+            <a:solidFill>
+              <a:srgbClr val="000001">
+                <a:alpha val="20000"/>
+              </a:srgbClr>
+            </a:solidFill>
+          </a:ln>
+        </p:spPr>
+        <p:style>
+          <a:lnRef idx="1">
+            <a:schemeClr val="accent1"/>
+          </a:lnRef>
+          <a:fillRef idx="0">
+            <a:schemeClr val="accent1"/>
+          </a:fillRef>
+          <a:effectRef idx="0">
+            <a:schemeClr val="accent1"/>
+          </a:effectRef>
+          <a:fontRef idx="minor">
+            <a:schemeClr val="tx1"/>
+          </a:fontRef>
+        </p:style>
+      </p:cxnSp>
     </p:spTree>
     <p:extLst>
       <p:ext uri="{BB962C8B-B14F-4D97-AF65-F5344CB8AC3E}">
-        <p14:creationId xmlns:p14="http://schemas.microsoft.com/office/powerpoint/2010/main" val="2058905627"/>
+        <p14:creationId xmlns:p14="http://schemas.microsoft.com/office/powerpoint/2010/main" val="1877420543"/>
       </p:ext>
     </p:extLst>
   </p:cSld>
   <p:clrMap bg1="lt1" tx1="dk1" bg2="lt2" tx2="dk2" accent1="accent1" accent2="accent2" accent3="accent3" accent4="accent4" accent5="accent5" accent6="accent6" hlink="hlink" folHlink="folHlink"/>
   <p:sldLayoutIdLst>
-    <p:sldLayoutId id="2147483649" r:id="rId1"/>
-    <p:sldLayoutId id="2147483650" r:id="rId2"/>
-    <p:sldLayoutId id="2147483651" r:id="rId3"/>
-    <p:sldLayoutId id="2147483652" r:id="rId4"/>
-    <p:sldLayoutId id="2147483653" r:id="rId5"/>
-    <p:sldLayoutId id="2147483654" r:id="rId6"/>
-    <p:sldLayoutId id="2147483655" r:id="rId7"/>
-    <p:sldLayoutId id="2147483656" r:id="rId8"/>
-    <p:sldLayoutId id="2147483657" r:id="rId9"/>
-    <p:sldLayoutId id="2147483658" r:id="rId10"/>
-    <p:sldLayoutId id="2147483659" r:id="rId11"/>
+    <p:sldLayoutId id="2147483661" r:id="rId1"/>
+    <p:sldLayoutId id="2147483662" r:id="rId2"/>
+    <p:sldLayoutId id="2147483663" r:id="rId3"/>
+    <p:sldLayoutId id="2147483664" r:id="rId4"/>
+    <p:sldLayoutId id="2147483665" r:id="rId5"/>
+    <p:sldLayoutId id="2147483666" r:id="rId6"/>
+    <p:sldLayoutId id="2147483667" r:id="rId7"/>
+    <p:sldLayoutId id="2147483668" r:id="rId8"/>
+    <p:sldLayoutId id="2147483669" r:id="rId9"/>
+    <p:sldLayoutId id="2147483670" r:id="rId10"/>
+    <p:sldLayoutId id="2147483671" r:id="rId11"/>
   </p:sldLayoutIdLst>
   <p:txStyles>
     <p:titleStyle>
@@ -3057,10 +3446,11 @@
           <a:spcPct val="0"/>
         </a:spcBef>
         <a:buNone/>
-        <a:defRPr sz="4400" kern="1200">
+        <a:defRPr sz="3200" b="0" i="0" kern="1200" cap="all">
           <a:solidFill>
             <a:schemeClr val="tx1"/>
           </a:solidFill>
+          <a:effectLst/>
           <a:latin typeface="+mj-lt"/>
           <a:ea typeface="+mj-ea"/>
           <a:cs typeface="+mj-cs"/>
@@ -3070,17 +3460,22 @@
     <p:bodyStyle>
       <a:lvl1pPr marL="228600" indent="-228600" algn="l" defTabSz="914400" rtl="0" eaLnBrk="1" latinLnBrk="0" hangingPunct="1">
         <a:lnSpc>
-          <a:spcPct val="90000"/>
+          <a:spcPct val="120000"/>
         </a:lnSpc>
         <a:spcBef>
           <a:spcPts val="1000"/>
         </a:spcBef>
+        <a:buClr>
+          <a:schemeClr val="accent1"/>
+        </a:buClr>
+        <a:buSzPct val="100000"/>
         <a:buFont typeface="Arial" panose="020B0604020202020204" pitchFamily="34" charset="0"/>
         <a:buChar char="•"/>
-        <a:defRPr sz="2800" kern="1200">
+        <a:defRPr sz="2000" kern="1200">
           <a:solidFill>
             <a:schemeClr val="tx1"/>
           </a:solidFill>
+          <a:effectLst/>
           <a:latin typeface="+mn-lt"/>
           <a:ea typeface="+mn-ea"/>
           <a:cs typeface="+mn-cs"/>
@@ -3088,17 +3483,22 @@
       </a:lvl1pPr>
       <a:lvl2pPr marL="685800" indent="-228600" algn="l" defTabSz="914400" rtl="0" eaLnBrk="1" latinLnBrk="0" hangingPunct="1">
         <a:lnSpc>
-          <a:spcPct val="90000"/>
+          <a:spcPct val="120000"/>
         </a:lnSpc>
         <a:spcBef>
           <a:spcPts val="500"/>
         </a:spcBef>
+        <a:buClr>
+          <a:schemeClr val="accent1"/>
+        </a:buClr>
+        <a:buSzPct val="100000"/>
         <a:buFont typeface="Arial" panose="020B0604020202020204" pitchFamily="34" charset="0"/>
         <a:buChar char="•"/>
-        <a:defRPr sz="2400" kern="1200">
+        <a:defRPr sz="1800" kern="1200" cap="none" baseline="0">
           <a:solidFill>
             <a:schemeClr val="tx1"/>
           </a:solidFill>
+          <a:effectLst/>
           <a:latin typeface="+mn-lt"/>
           <a:ea typeface="+mn-ea"/>
           <a:cs typeface="+mn-cs"/>
@@ -3106,17 +3506,22 @@
       </a:lvl2pPr>
       <a:lvl3pPr marL="1143000" indent="-228600" algn="l" defTabSz="914400" rtl="0" eaLnBrk="1" latinLnBrk="0" hangingPunct="1">
         <a:lnSpc>
-          <a:spcPct val="90000"/>
+          <a:spcPct val="120000"/>
         </a:lnSpc>
         <a:spcBef>
           <a:spcPts val="500"/>
         </a:spcBef>
+        <a:buClr>
+          <a:schemeClr val="accent1"/>
+        </a:buClr>
+        <a:buSzPct val="100000"/>
         <a:buFont typeface="Arial" panose="020B0604020202020204" pitchFamily="34" charset="0"/>
         <a:buChar char="•"/>
-        <a:defRPr sz="2000" kern="1200">
+        <a:defRPr sz="1600" kern="1200">
           <a:solidFill>
             <a:schemeClr val="tx1"/>
           </a:solidFill>
+          <a:effectLst/>
           <a:latin typeface="+mn-lt"/>
           <a:ea typeface="+mn-ea"/>
           <a:cs typeface="+mn-cs"/>
@@ -3124,17 +3529,22 @@
       </a:lvl3pPr>
       <a:lvl4pPr marL="1600200" indent="-228600" algn="l" defTabSz="914400" rtl="0" eaLnBrk="1" latinLnBrk="0" hangingPunct="1">
         <a:lnSpc>
-          <a:spcPct val="90000"/>
+          <a:spcPct val="120000"/>
         </a:lnSpc>
         <a:spcBef>
           <a:spcPts val="500"/>
         </a:spcBef>
+        <a:buClr>
+          <a:schemeClr val="accent1"/>
+        </a:buClr>
+        <a:buSzPct val="100000"/>
         <a:buFont typeface="Arial" panose="020B0604020202020204" pitchFamily="34" charset="0"/>
         <a:buChar char="•"/>
-        <a:defRPr sz="1800" kern="1200">
+        <a:defRPr sz="1400" kern="1200" cap="none" baseline="0">
           <a:solidFill>
             <a:schemeClr val="tx1"/>
           </a:solidFill>
+          <a:effectLst/>
           <a:latin typeface="+mn-lt"/>
           <a:ea typeface="+mn-ea"/>
           <a:cs typeface="+mn-cs"/>
@@ -3142,17 +3552,22 @@
       </a:lvl4pPr>
       <a:lvl5pPr marL="2057400" indent="-228600" algn="l" defTabSz="914400" rtl="0" eaLnBrk="1" latinLnBrk="0" hangingPunct="1">
         <a:lnSpc>
-          <a:spcPct val="90000"/>
+          <a:spcPct val="120000"/>
         </a:lnSpc>
         <a:spcBef>
           <a:spcPts val="500"/>
         </a:spcBef>
+        <a:buClr>
+          <a:schemeClr val="accent1"/>
+        </a:buClr>
+        <a:buSzPct val="100000"/>
         <a:buFont typeface="Arial" panose="020B0604020202020204" pitchFamily="34" charset="0"/>
         <a:buChar char="•"/>
-        <a:defRPr sz="1800" kern="1200">
+        <a:defRPr sz="1200" kern="1200">
           <a:solidFill>
             <a:schemeClr val="tx1"/>
           </a:solidFill>
+          <a:effectLst/>
           <a:latin typeface="+mn-lt"/>
           <a:ea typeface="+mn-ea"/>
           <a:cs typeface="+mn-cs"/>
@@ -3160,17 +3575,22 @@
       </a:lvl5pPr>
       <a:lvl6pPr marL="2514600" indent="-228600" algn="l" defTabSz="914400" rtl="0" eaLnBrk="1" latinLnBrk="0" hangingPunct="1">
         <a:lnSpc>
-          <a:spcPct val="90000"/>
+          <a:spcPct val="120000"/>
         </a:lnSpc>
         <a:spcBef>
           <a:spcPts val="500"/>
         </a:spcBef>
+        <a:buClr>
+          <a:schemeClr val="accent1"/>
+        </a:buClr>
+        <a:buSzPct val="100000"/>
         <a:buFont typeface="Arial" panose="020B0604020202020204" pitchFamily="34" charset="0"/>
         <a:buChar char="•"/>
-        <a:defRPr sz="1800" kern="1200">
+        <a:defRPr sz="1200" kern="1200">
           <a:solidFill>
             <a:schemeClr val="tx1"/>
           </a:solidFill>
+          <a:effectLst/>
           <a:latin typeface="+mn-lt"/>
           <a:ea typeface="+mn-ea"/>
           <a:cs typeface="+mn-cs"/>
@@ -3178,17 +3598,22 @@
       </a:lvl6pPr>
       <a:lvl7pPr marL="2971800" indent="-228600" algn="l" defTabSz="914400" rtl="0" eaLnBrk="1" latinLnBrk="0" hangingPunct="1">
         <a:lnSpc>
-          <a:spcPct val="90000"/>
+          <a:spcPct val="120000"/>
         </a:lnSpc>
         <a:spcBef>
           <a:spcPts val="500"/>
         </a:spcBef>
+        <a:buClr>
+          <a:schemeClr val="accent1"/>
+        </a:buClr>
+        <a:buSzPct val="100000"/>
         <a:buFont typeface="Arial" panose="020B0604020202020204" pitchFamily="34" charset="0"/>
         <a:buChar char="•"/>
-        <a:defRPr sz="1800" kern="1200">
+        <a:defRPr sz="1200" kern="1200">
           <a:solidFill>
             <a:schemeClr val="tx1"/>
           </a:solidFill>
+          <a:effectLst/>
           <a:latin typeface="+mn-lt"/>
           <a:ea typeface="+mn-ea"/>
           <a:cs typeface="+mn-cs"/>
@@ -3196,17 +3621,22 @@
       </a:lvl7pPr>
       <a:lvl8pPr marL="3429000" indent="-228600" algn="l" defTabSz="914400" rtl="0" eaLnBrk="1" latinLnBrk="0" hangingPunct="1">
         <a:lnSpc>
-          <a:spcPct val="90000"/>
+          <a:spcPct val="120000"/>
         </a:lnSpc>
         <a:spcBef>
           <a:spcPts val="500"/>
         </a:spcBef>
+        <a:buClr>
+          <a:schemeClr val="accent1"/>
+        </a:buClr>
+        <a:buSzPct val="100000"/>
         <a:buFont typeface="Arial" panose="020B0604020202020204" pitchFamily="34" charset="0"/>
         <a:buChar char="•"/>
-        <a:defRPr sz="1800" kern="1200">
+        <a:defRPr sz="1200" kern="1200" baseline="0">
           <a:solidFill>
             <a:schemeClr val="tx1"/>
           </a:solidFill>
+          <a:effectLst/>
           <a:latin typeface="+mn-lt"/>
           <a:ea typeface="+mn-ea"/>
           <a:cs typeface="+mn-cs"/>
@@ -3214,17 +3644,22 @@
       </a:lvl8pPr>
       <a:lvl9pPr marL="3886200" indent="-228600" algn="l" defTabSz="914400" rtl="0" eaLnBrk="1" latinLnBrk="0" hangingPunct="1">
         <a:lnSpc>
-          <a:spcPct val="90000"/>
+          <a:spcPct val="120000"/>
         </a:lnSpc>
         <a:spcBef>
           <a:spcPts val="500"/>
         </a:spcBef>
+        <a:buClr>
+          <a:schemeClr val="accent1"/>
+        </a:buClr>
+        <a:buSzPct val="100000"/>
         <a:buFont typeface="Arial" panose="020B0604020202020204" pitchFamily="34" charset="0"/>
         <a:buChar char="•"/>
-        <a:defRPr sz="1800" kern="1200">
+        <a:defRPr sz="1200" kern="1200" baseline="0">
           <a:solidFill>
             <a:schemeClr val="tx1"/>
           </a:solidFill>
+          <a:effectLst/>
           <a:latin typeface="+mn-lt"/>
           <a:ea typeface="+mn-ea"/>
           <a:cs typeface="+mn-cs"/>
@@ -3481,7 +3916,29 @@
           <a:p>
             <a:r>
               <a:rPr lang="en-CA" dirty="0"/>
-              <a:t>To find the best place for Airbnb in London, UK</a:t>
+              <a:t>To find the best neighborhood for Airbnb in London, UK</a:t>
+            </a:r>
+          </a:p>
+          <a:p>
+            <a:r>
+              <a:rPr lang="en-CA" dirty="0"/>
+              <a:t>Consider the following: </a:t>
+            </a:r>
+          </a:p>
+          <a:p>
+            <a:r>
+              <a:rPr lang="en-CA" dirty="0"/>
+              <a:t>- Price per night </a:t>
+            </a:r>
+          </a:p>
+          <a:p>
+            <a:r>
+              <a:rPr lang="en-CA"/>
+              <a:t>- Number </a:t>
+            </a:r>
+            <a:r>
+              <a:rPr lang="en-CA" dirty="0"/>
+              <a:t>of attractions </a:t>
             </a:r>
           </a:p>
         </p:txBody>
@@ -3660,7 +4117,9 @@
         </p:nvSpPr>
         <p:spPr/>
         <p:txBody>
-          <a:bodyPr/>
+          <a:bodyPr>
+            <a:normAutofit lnSpcReduction="10000"/>
+          </a:bodyPr>
           <a:lstStyle/>
           <a:p>
             <a:r>
@@ -3906,9 +4365,9 @@
 </file>
 
 <file path=ppt/theme/theme1.xml><?xml version="1.0" encoding="utf-8"?>
-<a:theme xmlns:a="http://schemas.openxmlformats.org/drawingml/2006/main" name="Office Theme">
+<a:theme xmlns:a="http://schemas.openxmlformats.org/drawingml/2006/main" name="Gallery">
   <a:themeElements>
-    <a:clrScheme name="Office">
+    <a:clrScheme name="Gallery">
       <a:dk1>
         <a:sysClr val="windowText" lastClr="000000"/>
       </a:dk1>
@@ -3916,39 +4375,39 @@
         <a:sysClr val="window" lastClr="FFFFFF"/>
       </a:lt1>
       <a:dk2>
-        <a:srgbClr val="44546A"/>
+        <a:srgbClr val="454545"/>
       </a:dk2>
       <a:lt2>
-        <a:srgbClr val="E7E6E6"/>
+        <a:srgbClr val="DFDBD5"/>
       </a:lt2>
       <a:accent1>
-        <a:srgbClr val="4472C4"/>
+        <a:srgbClr val="B71E42"/>
       </a:accent1>
       <a:accent2>
-        <a:srgbClr val="ED7D31"/>
+        <a:srgbClr val="DE478E"/>
       </a:accent2>
       <a:accent3>
-        <a:srgbClr val="A5A5A5"/>
+        <a:srgbClr val="BC72F0"/>
       </a:accent3>
       <a:accent4>
-        <a:srgbClr val="FFC000"/>
+        <a:srgbClr val="795FAF"/>
       </a:accent4>
       <a:accent5>
-        <a:srgbClr val="5B9BD5"/>
+        <a:srgbClr val="586EA6"/>
       </a:accent5>
       <a:accent6>
-        <a:srgbClr val="70AD47"/>
+        <a:srgbClr val="6892A0"/>
       </a:accent6>
       <a:hlink>
-        <a:srgbClr val="0563C1"/>
+        <a:srgbClr val="FA2B5C"/>
       </a:hlink>
       <a:folHlink>
-        <a:srgbClr val="954F72"/>
+        <a:srgbClr val="BC658E"/>
       </a:folHlink>
     </a:clrScheme>
-    <a:fontScheme name="Office">
+    <a:fontScheme name="Gallery">
       <a:majorFont>
-        <a:latin typeface="Calibri Light" panose="020F0302020204030204"/>
+        <a:latin typeface="Gill Sans MT" panose="020B0502020104020203"/>
         <a:ea typeface=""/>
         <a:cs typeface=""/>
         <a:font script="Jpan" typeface="游ゴシック Light"/>
@@ -3981,26 +4440,9 @@
         <a:font script="Viet" typeface="Times New Roman"/>
         <a:font script="Uigh" typeface="Microsoft Uighur"/>
         <a:font script="Geor" typeface="Sylfaen"/>
-        <a:font script="Armn" typeface="Arial"/>
-        <a:font script="Bugi" typeface="Leelawadee UI"/>
-        <a:font script="Bopo" typeface="Microsoft JhengHei"/>
-        <a:font script="Java" typeface="Javanese Text"/>
-        <a:font script="Lisu" typeface="Segoe UI"/>
-        <a:font script="Mymr" typeface="Myanmar Text"/>
-        <a:font script="Nkoo" typeface="Ebrima"/>
-        <a:font script="Olck" typeface="Nirmala UI"/>
-        <a:font script="Osma" typeface="Ebrima"/>
-        <a:font script="Phag" typeface="Phagspa"/>
-        <a:font script="Syrn" typeface="Estrangelo Edessa"/>
-        <a:font script="Syrj" typeface="Estrangelo Edessa"/>
-        <a:font script="Syre" typeface="Estrangelo Edessa"/>
-        <a:font script="Sora" typeface="Nirmala UI"/>
-        <a:font script="Tale" typeface="Microsoft Tai Le"/>
-        <a:font script="Talu" typeface="Microsoft New Tai Lue"/>
-        <a:font script="Tfng" typeface="Ebrima"/>
       </a:majorFont>
       <a:minorFont>
-        <a:latin typeface="Calibri" panose="020F0502020204030204"/>
+        <a:latin typeface="Gill Sans MT" panose="020B0502020104020203"/>
         <a:ea typeface=""/>
         <a:cs typeface=""/>
         <a:font script="Jpan" typeface="游ゴシック"/>
@@ -4033,26 +4475,9 @@
         <a:font script="Viet" typeface="Arial"/>
         <a:font script="Uigh" typeface="Microsoft Uighur"/>
         <a:font script="Geor" typeface="Sylfaen"/>
-        <a:font script="Armn" typeface="Arial"/>
-        <a:font script="Bugi" typeface="Leelawadee UI"/>
-        <a:font script="Bopo" typeface="Microsoft JhengHei"/>
-        <a:font script="Java" typeface="Javanese Text"/>
-        <a:font script="Lisu" typeface="Segoe UI"/>
-        <a:font script="Mymr" typeface="Myanmar Text"/>
-        <a:font script="Nkoo" typeface="Ebrima"/>
-        <a:font script="Olck" typeface="Nirmala UI"/>
-        <a:font script="Osma" typeface="Ebrima"/>
-        <a:font script="Phag" typeface="Phagspa"/>
-        <a:font script="Syrn" typeface="Estrangelo Edessa"/>
-        <a:font script="Syrj" typeface="Estrangelo Edessa"/>
-        <a:font script="Syre" typeface="Estrangelo Edessa"/>
-        <a:font script="Sora" typeface="Nirmala UI"/>
-        <a:font script="Tale" typeface="Microsoft Tai Le"/>
-        <a:font script="Talu" typeface="Microsoft New Tai Lue"/>
-        <a:font script="Tfng" typeface="Ebrima"/>
       </a:minorFont>
     </a:fontScheme>
-    <a:fmtScheme name="Office">
+    <a:fmtScheme name="Gallery">
       <a:fillStyleLst>
         <a:solidFill>
           <a:schemeClr val="phClr"/>
@@ -4061,23 +4486,18 @@
           <a:gsLst>
             <a:gs pos="0">
               <a:schemeClr val="phClr">
+                <a:tint val="54000"/>
+                <a:alpha val="100000"/>
+                <a:satMod val="105000"/>
                 <a:lumMod val="110000"/>
-                <a:satMod val="105000"/>
-                <a:tint val="67000"/>
-              </a:schemeClr>
-            </a:gs>
-            <a:gs pos="50000">
-              <a:schemeClr val="phClr">
-                <a:lumMod val="105000"/>
-                <a:satMod val="103000"/>
-                <a:tint val="73000"/>
               </a:schemeClr>
             </a:gs>
             <a:gs pos="100000">
               <a:schemeClr val="phClr">
-                <a:lumMod val="105000"/>
+                <a:tint val="78000"/>
+                <a:alpha val="92000"/>
                 <a:satMod val="109000"/>
-                <a:tint val="81000"/>
+                <a:lumMod val="100000"/>
               </a:schemeClr>
             </a:gs>
           </a:gsLst>
@@ -4087,23 +4507,23 @@
           <a:gsLst>
             <a:gs pos="0">
               <a:schemeClr val="phClr">
-                <a:satMod val="103000"/>
-                <a:lumMod val="102000"/>
-                <a:tint val="94000"/>
+                <a:tint val="98000"/>
+                <a:satMod val="110000"/>
+                <a:lumMod val="104000"/>
               </a:schemeClr>
             </a:gs>
-            <a:gs pos="50000">
+            <a:gs pos="69000">
               <a:schemeClr val="phClr">
-                <a:satMod val="110000"/>
-                <a:lumMod val="100000"/>
-                <a:shade val="100000"/>
+                <a:shade val="88000"/>
+                <a:satMod val="130000"/>
+                <a:lumMod val="92000"/>
               </a:schemeClr>
             </a:gs>
             <a:gs pos="100000">
               <a:schemeClr val="phClr">
-                <a:lumMod val="99000"/>
-                <a:satMod val="120000"/>
                 <a:shade val="78000"/>
+                <a:satMod val="130000"/>
+                <a:lumMod val="92000"/>
               </a:schemeClr>
             </a:gs>
           </a:gsLst>
@@ -4111,26 +4531,23 @@
         </a:gradFill>
       </a:fillStyleLst>
       <a:lnStyleLst>
-        <a:ln w="6350" cap="flat" cmpd="sng" algn="ctr">
+        <a:ln w="9525" cap="flat" cmpd="sng" algn="ctr">
           <a:solidFill>
             <a:schemeClr val="phClr"/>
           </a:solidFill>
           <a:prstDash val="solid"/>
-          <a:miter lim="800000"/>
         </a:ln>
-        <a:ln w="12700" cap="flat" cmpd="sng" algn="ctr">
+        <a:ln w="15875" cap="flat" cmpd="sng" algn="ctr">
           <a:solidFill>
             <a:schemeClr val="phClr"/>
           </a:solidFill>
           <a:prstDash val="solid"/>
-          <a:miter lim="800000"/>
         </a:ln>
-        <a:ln w="19050" cap="flat" cmpd="sng" algn="ctr">
+        <a:ln w="22225" cap="flat" cmpd="sng" algn="ctr">
           <a:solidFill>
             <a:schemeClr val="phClr"/>
           </a:solidFill>
           <a:prstDash val="solid"/>
-          <a:miter lim="800000"/>
         </a:ln>
       </a:lnStyleLst>
       <a:effectStyleLst>
@@ -4142,12 +4559,23 @@
         </a:effectStyle>
         <a:effectStyle>
           <a:effectLst>
-            <a:outerShdw blurRad="57150" dist="19050" dir="5400000" algn="ctr" rotWithShape="0">
+            <a:outerShdw blurRad="50800" dist="50800" dir="5400000" sx="96000" sy="96000" rotWithShape="0">
               <a:srgbClr val="000000">
-                <a:alpha val="63000"/>
+                <a:alpha val="48000"/>
               </a:srgbClr>
             </a:outerShdw>
           </a:effectLst>
+          <a:scene3d>
+            <a:camera prst="orthographicFront">
+              <a:rot lat="0" lon="0" rev="0"/>
+            </a:camera>
+            <a:lightRig rig="balanced" dir="t">
+              <a:rot lat="0" lon="0" rev="1080000"/>
+            </a:lightRig>
+          </a:scene3d>
+          <a:sp3d>
+            <a:bevelT w="38100" h="12700" prst="softRound"/>
+          </a:sp3d>
         </a:effectStyle>
       </a:effectStyleLst>
       <a:bgFillStyleLst>
@@ -4155,37 +4583,26 @@
           <a:schemeClr val="phClr"/>
         </a:solidFill>
         <a:solidFill>
-          <a:schemeClr val="phClr">
-            <a:tint val="95000"/>
-            <a:satMod val="170000"/>
-          </a:schemeClr>
+          <a:schemeClr val="phClr"/>
         </a:solidFill>
         <a:gradFill rotWithShape="1">
           <a:gsLst>
             <a:gs pos="0">
               <a:schemeClr val="phClr">
-                <a:tint val="93000"/>
-                <a:satMod val="150000"/>
-                <a:shade val="98000"/>
-                <a:lumMod val="102000"/>
-              </a:schemeClr>
-            </a:gs>
-            <a:gs pos="50000">
-              <a:schemeClr val="phClr">
-                <a:tint val="98000"/>
-                <a:satMod val="130000"/>
-                <a:shade val="90000"/>
-                <a:lumMod val="103000"/>
+                <a:tint val="94000"/>
+                <a:satMod val="80000"/>
+                <a:lumMod val="106000"/>
               </a:schemeClr>
             </a:gs>
             <a:gs pos="100000">
               <a:schemeClr val="phClr">
-                <a:shade val="63000"/>
-                <a:satMod val="120000"/>
+                <a:shade val="80000"/>
               </a:schemeClr>
             </a:gs>
           </a:gsLst>
-          <a:lin ang="5400000" scaled="0"/>
+          <a:path path="circle">
+            <a:fillToRect l="43000" r="43000" b="100000"/>
+          </a:path>
         </a:gradFill>
       </a:bgFillStyleLst>
     </a:fmtScheme>
@@ -4194,7 +4611,7 @@
   <a:extraClrSchemeLst/>
   <a:extLst>
     <a:ext uri="{05A4C25C-085E-4340-85A3-A5531E510DB2}">
-      <thm15:themeFamily xmlns:thm15="http://schemas.microsoft.com/office/thememl/2012/main" name="Office Theme" id="{62F939B6-93AF-4DB8-9C6B-D6C7DFDC589F}" vid="{4A3C46E8-61CC-4603-A589-7422A47A8E4A}"/>
+      <thm15:themeFamily xmlns:thm15="http://schemas.microsoft.com/office/thememl/2012/main" name="Gallery" id="{BBFCD31E-59A1-489D-B089-A3EAD7CAE12E}" vid="{F5E91637-A7B6-4E27-B710-77DA7014EE1E}"/>
     </a:ext>
   </a:extLst>
 </a:theme>
